--- a/intro_a_r/Git.pptx
+++ b/intro_a_r/Git.pptx
@@ -11,32 +11,27 @@
     <p:sldMasterId id="2147484091" r:id="rId10"/>
   </p:sldMasterIdLst>
   <p:notesMasterIdLst>
-    <p:notesMasterId r:id="rId31"/>
+    <p:notesMasterId r:id="rId26"/>
   </p:notesMasterIdLst>
   <p:handoutMasterIdLst>
-    <p:handoutMasterId r:id="rId32"/>
+    <p:handoutMasterId r:id="rId27"/>
   </p:handoutMasterIdLst>
   <p:sldIdLst>
-    <p:sldId id="256" r:id="rId11"/>
-    <p:sldId id="262" r:id="rId12"/>
-    <p:sldId id="257" r:id="rId13"/>
-    <p:sldId id="269" r:id="rId14"/>
-    <p:sldId id="278" r:id="rId15"/>
-    <p:sldId id="280" r:id="rId16"/>
-    <p:sldId id="270" r:id="rId17"/>
-    <p:sldId id="271" r:id="rId18"/>
-    <p:sldId id="261" r:id="rId19"/>
-    <p:sldId id="272" r:id="rId20"/>
-    <p:sldId id="273" r:id="rId21"/>
-    <p:sldId id="274" r:id="rId22"/>
-    <p:sldId id="275" r:id="rId23"/>
-    <p:sldId id="276" r:id="rId24"/>
-    <p:sldId id="277" r:id="rId25"/>
-    <p:sldId id="279" r:id="rId26"/>
-    <p:sldId id="281" r:id="rId27"/>
-    <p:sldId id="267" r:id="rId28"/>
-    <p:sldId id="265" r:id="rId29"/>
-    <p:sldId id="266" r:id="rId30"/>
+    <p:sldId id="257" r:id="rId11"/>
+    <p:sldId id="269" r:id="rId12"/>
+    <p:sldId id="278" r:id="rId13"/>
+    <p:sldId id="280" r:id="rId14"/>
+    <p:sldId id="270" r:id="rId15"/>
+    <p:sldId id="271" r:id="rId16"/>
+    <p:sldId id="261" r:id="rId17"/>
+    <p:sldId id="272" r:id="rId18"/>
+    <p:sldId id="273" r:id="rId19"/>
+    <p:sldId id="274" r:id="rId20"/>
+    <p:sldId id="275" r:id="rId21"/>
+    <p:sldId id="276" r:id="rId22"/>
+    <p:sldId id="277" r:id="rId23"/>
+    <p:sldId id="279" r:id="rId24"/>
+    <p:sldId id="281" r:id="rId25"/>
   </p:sldIdLst>
   <p:sldSz cx="12192000" cy="6858000"/>
   <p:notesSz cx="7077075" cy="9363075"/>
@@ -440,7 +435,7 @@
           <a:p>
             <a:fld id="{6DCB5D3D-C12B-412F-BCD2-85704B9FC75F}" type="datetimeFigureOut">
               <a:rPr lang="en-US" smtClean="0"/>
-              <a:t>1/15/2024</a:t>
+              <a:t>8/12/24</a:t>
             </a:fld>
             <a:endParaRPr lang="en-US"/>
           </a:p>
@@ -618,7 +613,7 @@
           <a:p>
             <a:fld id="{75216131-7224-4CC3-B34D-CF3208C365F3}" type="datetimeFigureOut">
               <a:rPr lang="en-US" smtClean="0"/>
-              <a:t>1/15/2024</a:t>
+              <a:t>8/12/24</a:t>
             </a:fld>
             <a:endParaRPr lang="en-US"/>
           </a:p>
@@ -20220,12 +20215,47 @@
           <a:chExt cx="0" cy="0"/>
         </a:xfrm>
       </p:grpSpPr>
+      <p:pic>
+        <p:nvPicPr>
+          <p:cNvPr id="5" name="Content Placeholder 4" descr="Teacher with solid fill">
+            <a:extLst>
+              <a:ext uri="{FF2B5EF4-FFF2-40B4-BE49-F238E27FC236}">
+                <a16:creationId xmlns:a16="http://schemas.microsoft.com/office/drawing/2014/main" id="{BE8ECC45-F133-3C95-BC23-7B7BBD0D013E}"/>
+              </a:ext>
+            </a:extLst>
+          </p:cNvPr>
+          <p:cNvPicPr>
+            <a:picLocks noGrp="1" noChangeAspect="1"/>
+          </p:cNvPicPr>
+          <p:nvPr>
+            <p:ph sz="quarter" idx="14"/>
+          </p:nvPr>
+        </p:nvPicPr>
+        <p:blipFill>
+          <a:blip r:embed="rId2">
+            <a:extLst>
+              <a:ext uri="{96DAC541-7B7A-43D3-8B79-37D633B846F1}">
+                <asvg:svgBlip xmlns:asvg="http://schemas.microsoft.com/office/drawing/2016/SVG/main" r:embed="rId3"/>
+              </a:ext>
+            </a:extLst>
+          </a:blip>
+          <a:stretch>
+            <a:fillRect/>
+          </a:stretch>
+        </p:blipFill>
+        <p:spPr>
+          <a:xfrm>
+            <a:off x="6197600" y="1118333"/>
+            <a:ext cx="5156200" cy="5156200"/>
+          </a:xfrm>
+        </p:spPr>
+      </p:pic>
       <p:sp>
         <p:nvSpPr>
-          <p:cNvPr id="4" name="Text Placeholder 3">
+          <p:cNvPr id="3" name="Title 2">
             <a:extLst>
               <a:ext uri="{FF2B5EF4-FFF2-40B4-BE49-F238E27FC236}">
-                <a16:creationId xmlns:a16="http://schemas.microsoft.com/office/drawing/2014/main" id="{224C4648-B824-EC61-A9A3-B85FD07B6FBB}"/>
+                <a16:creationId xmlns:a16="http://schemas.microsoft.com/office/drawing/2014/main" id="{498D1D7D-94DA-49FD-852A-7F145840B2C8}"/>
               </a:ext>
             </a:extLst>
           </p:cNvPr>
@@ -20233,274 +20263,199 @@
             <a:spLocks noGrp="1"/>
           </p:cNvSpPr>
           <p:nvPr>
-            <p:ph type="body" sz="quarter" idx="10"/>
+            <p:ph type="title"/>
           </p:nvPr>
         </p:nvSpPr>
         <p:spPr>
           <a:xfrm>
-            <a:off x="658316" y="2397971"/>
-            <a:ext cx="7170068" cy="2155371"/>
+            <a:off x="838200" y="391250"/>
+            <a:ext cx="10515600" cy="455271"/>
           </a:xfrm>
         </p:spPr>
         <p:txBody>
-          <a:bodyPr/>
+          <a:bodyPr>
+            <a:normAutofit/>
+          </a:bodyPr>
           <a:lstStyle/>
           <a:p>
             <a:r>
               <a:rPr lang="en-US"/>
-              <a:t>Git: From zero to not crying</a:t>
+              <a:t>Agenda</a:t>
             </a:r>
           </a:p>
         </p:txBody>
       </p:sp>
       <p:sp>
         <p:nvSpPr>
-          <p:cNvPr id="2" name="Text Placeholder 4">
+          <p:cNvPr id="2" name="Content Placeholder 1">
             <a:extLst>
               <a:ext uri="{FF2B5EF4-FFF2-40B4-BE49-F238E27FC236}">
-                <a16:creationId xmlns:a16="http://schemas.microsoft.com/office/drawing/2014/main" id="{5365EF35-028C-F901-4A3D-29BF2726EAE1}"/>
+                <a16:creationId xmlns:a16="http://schemas.microsoft.com/office/drawing/2014/main" id="{027B6E15-4712-4BFF-BC90-A900D3D00E0F}"/>
               </a:ext>
             </a:extLst>
           </p:cNvPr>
-          <p:cNvSpPr txBox="1">
-            <a:spLocks/>
+          <p:cNvSpPr>
+            <a:spLocks noGrp="1"/>
           </p:cNvSpPr>
+          <p:nvPr>
+            <p:ph sz="quarter" idx="12"/>
+          </p:nvPr>
+        </p:nvSpPr>
+        <p:spPr>
+          <a:xfrm>
+            <a:off x="838200" y="1063786"/>
+            <a:ext cx="5156200" cy="5265297"/>
+          </a:xfrm>
+        </p:spPr>
+        <p:txBody>
+          <a:bodyPr>
+            <a:normAutofit/>
+          </a:bodyPr>
+          <a:lstStyle/>
+          <a:p>
+            <a:pPr marL="285750" indent="-285750">
+              <a:buFont typeface="Wingdings" panose="05000000000000000000" pitchFamily="2" charset="2"/>
+              <a:buChar char="§"/>
+            </a:pPr>
+            <a:r>
+              <a:rPr lang="en-US"/>
+              <a:t>What is Git?</a:t>
+            </a:r>
+          </a:p>
+          <a:p>
+            <a:pPr marL="285750" indent="-285750">
+              <a:buFont typeface="Wingdings" panose="05000000000000000000" pitchFamily="2" charset="2"/>
+              <a:buChar char="§"/>
+            </a:pPr>
+            <a:r>
+              <a:rPr lang="en-US"/>
+              <a:t>States of a file</a:t>
+            </a:r>
+          </a:p>
+          <a:p>
+            <a:pPr marL="285750" indent="-285750">
+              <a:buFont typeface="Wingdings" panose="05000000000000000000" pitchFamily="2" charset="2"/>
+              <a:buChar char="§"/>
+            </a:pPr>
+            <a:r>
+              <a:rPr lang="en-US"/>
+              <a:t>Basic Commands</a:t>
+            </a:r>
+          </a:p>
+          <a:p>
+            <a:pPr marL="285750" indent="-285750">
+              <a:buFont typeface="Wingdings" panose="05000000000000000000" pitchFamily="2" charset="2"/>
+              <a:buChar char="§"/>
+            </a:pPr>
+            <a:r>
+              <a:rPr lang="en-US"/>
+              <a:t>Git Flow</a:t>
+            </a:r>
+          </a:p>
+          <a:p>
+            <a:pPr marL="285750" indent="-285750">
+              <a:buFont typeface="Wingdings" panose="05000000000000000000" pitchFamily="2" charset="2"/>
+              <a:buChar char="§"/>
+            </a:pPr>
+            <a:r>
+              <a:rPr lang="en-US"/>
+              <a:t>Main branch</a:t>
+            </a:r>
+          </a:p>
+          <a:p>
+            <a:pPr marL="285750" indent="-285750">
+              <a:buFont typeface="Wingdings" panose="05000000000000000000" pitchFamily="2" charset="2"/>
+              <a:buChar char="§"/>
+            </a:pPr>
+            <a:r>
+              <a:rPr lang="en-US"/>
+              <a:t>Pull Request</a:t>
+            </a:r>
+          </a:p>
+          <a:p>
+            <a:pPr marL="285750" indent="-285750">
+              <a:buFont typeface="Wingdings" panose="05000000000000000000" pitchFamily="2" charset="2"/>
+              <a:buChar char="§"/>
+            </a:pPr>
+            <a:r>
+              <a:rPr lang="en-US"/>
+              <a:t>Git Rebase</a:t>
+            </a:r>
+          </a:p>
+          <a:p>
+            <a:pPr marL="285750" indent="-285750">
+              <a:buFont typeface="Wingdings" panose="05000000000000000000" pitchFamily="2" charset="2"/>
+              <a:buChar char="§"/>
+            </a:pPr>
+            <a:r>
+              <a:rPr lang="en-US"/>
+              <a:t>Git Merge</a:t>
+            </a:r>
+          </a:p>
+          <a:p>
+            <a:pPr marL="285750" indent="-285750">
+              <a:buFont typeface="Wingdings" panose="05000000000000000000" pitchFamily="2" charset="2"/>
+              <a:buChar char="§"/>
+            </a:pPr>
+            <a:r>
+              <a:rPr lang="en-US"/>
+              <a:t>Conflicts</a:t>
+            </a:r>
+          </a:p>
+          <a:p>
+            <a:pPr marL="285750" indent="-285750">
+              <a:buFont typeface="Wingdings" panose="05000000000000000000" pitchFamily="2" charset="2"/>
+              <a:buChar char="§"/>
+            </a:pPr>
+            <a:r>
+              <a:rPr lang="en-US"/>
+              <a:t>Git Hosting providers</a:t>
+            </a:r>
+          </a:p>
+        </p:txBody>
+      </p:sp>
+      <p:sp>
+        <p:nvSpPr>
+          <p:cNvPr id="6" name="TextBox 5">
+            <a:extLst>
+              <a:ext uri="{FF2B5EF4-FFF2-40B4-BE49-F238E27FC236}">
+                <a16:creationId xmlns:a16="http://schemas.microsoft.com/office/drawing/2014/main" id="{1F271E1A-AD7B-54D2-F63C-B5A03440E335}"/>
+              </a:ext>
+            </a:extLst>
+          </p:cNvPr>
+          <p:cNvSpPr txBox="1"/>
           <p:nvPr/>
         </p:nvSpPr>
         <p:spPr>
           <a:xfrm>
-            <a:off x="1847461" y="4651997"/>
-            <a:ext cx="6400304" cy="415925"/>
-          </a:xfrm>
-          <a:prstGeom prst="rect">
-            <a:avLst/>
-          </a:prstGeom>
-        </p:spPr>
-        <p:txBody>
-          <a:bodyPr anchor="ctr"/>
-          <a:lstStyle>
-            <a:lvl1pPr marL="0" indent="0" algn="l" defTabSz="914400" rtl="0" eaLnBrk="1" latinLnBrk="0" hangingPunct="1">
-              <a:lnSpc>
-                <a:spcPct val="90000"/>
-              </a:lnSpc>
-              <a:spcBef>
-                <a:spcPts val="1000"/>
-              </a:spcBef>
-              <a:buFont typeface="Arial" panose="020B0604020202020204" pitchFamily="34" charset="0"/>
-              <a:buNone/>
-              <a:defRPr sz="1800" b="1" kern="1200">
-                <a:solidFill>
-                  <a:schemeClr val="bg2"/>
-                </a:solidFill>
-                <a:latin typeface="+mn-lt"/>
-                <a:ea typeface="+mn-ea"/>
-                <a:cs typeface="+mn-cs"/>
-              </a:defRPr>
-            </a:lvl1pPr>
-            <a:lvl2pPr marL="685800" indent="-228600" algn="l" defTabSz="914400" rtl="0" eaLnBrk="1" latinLnBrk="0" hangingPunct="1">
-              <a:lnSpc>
-                <a:spcPct val="90000"/>
-              </a:lnSpc>
-              <a:spcBef>
-                <a:spcPts val="500"/>
-              </a:spcBef>
-              <a:buFont typeface="Arial" panose="020B0604020202020204" pitchFamily="34" charset="0"/>
-              <a:buChar char="•"/>
-              <a:defRPr sz="2400" kern="1200">
-                <a:solidFill>
-                  <a:schemeClr val="tx1"/>
-                </a:solidFill>
-                <a:latin typeface="+mn-lt"/>
-                <a:ea typeface="+mn-ea"/>
-                <a:cs typeface="+mn-cs"/>
-              </a:defRPr>
-            </a:lvl2pPr>
-            <a:lvl3pPr marL="1143000" indent="-228600" algn="l" defTabSz="914400" rtl="0" eaLnBrk="1" latinLnBrk="0" hangingPunct="1">
-              <a:lnSpc>
-                <a:spcPct val="90000"/>
-              </a:lnSpc>
-              <a:spcBef>
-                <a:spcPts val="500"/>
-              </a:spcBef>
-              <a:buFont typeface="Arial" panose="020B0604020202020204" pitchFamily="34" charset="0"/>
-              <a:buChar char="•"/>
-              <a:defRPr sz="2000" kern="1200">
-                <a:solidFill>
-                  <a:schemeClr val="tx1"/>
-                </a:solidFill>
-                <a:latin typeface="+mn-lt"/>
-                <a:ea typeface="+mn-ea"/>
-                <a:cs typeface="+mn-cs"/>
-              </a:defRPr>
-            </a:lvl3pPr>
-            <a:lvl4pPr marL="1600200" indent="-228600" algn="l" defTabSz="914400" rtl="0" eaLnBrk="1" latinLnBrk="0" hangingPunct="1">
-              <a:lnSpc>
-                <a:spcPct val="90000"/>
-              </a:lnSpc>
-              <a:spcBef>
-                <a:spcPts val="500"/>
-              </a:spcBef>
-              <a:buFont typeface="Arial" panose="020B0604020202020204" pitchFamily="34" charset="0"/>
-              <a:buChar char="•"/>
-              <a:defRPr sz="1800" kern="1200">
-                <a:solidFill>
-                  <a:schemeClr val="tx1"/>
-                </a:solidFill>
-                <a:latin typeface="+mn-lt"/>
-                <a:ea typeface="+mn-ea"/>
-                <a:cs typeface="+mn-cs"/>
-              </a:defRPr>
-            </a:lvl4pPr>
-            <a:lvl5pPr marL="2057400" indent="-228600" algn="l" defTabSz="914400" rtl="0" eaLnBrk="1" latinLnBrk="0" hangingPunct="1">
-              <a:lnSpc>
-                <a:spcPct val="90000"/>
-              </a:lnSpc>
-              <a:spcBef>
-                <a:spcPts val="500"/>
-              </a:spcBef>
-              <a:buFont typeface="Arial" panose="020B0604020202020204" pitchFamily="34" charset="0"/>
-              <a:buChar char="•"/>
-              <a:defRPr sz="1800" kern="1200">
-                <a:solidFill>
-                  <a:schemeClr val="tx1"/>
-                </a:solidFill>
-                <a:latin typeface="+mn-lt"/>
-                <a:ea typeface="+mn-ea"/>
-                <a:cs typeface="+mn-cs"/>
-              </a:defRPr>
-            </a:lvl5pPr>
-            <a:lvl6pPr marL="2514600" indent="-228600" algn="l" defTabSz="914400" rtl="0" eaLnBrk="1" latinLnBrk="0" hangingPunct="1">
-              <a:lnSpc>
-                <a:spcPct val="90000"/>
-              </a:lnSpc>
-              <a:spcBef>
-                <a:spcPts val="500"/>
-              </a:spcBef>
-              <a:buFont typeface="Arial" panose="020B0604020202020204" pitchFamily="34" charset="0"/>
-              <a:buChar char="•"/>
-              <a:defRPr sz="1800" kern="1200">
-                <a:solidFill>
-                  <a:schemeClr val="tx1"/>
-                </a:solidFill>
-                <a:latin typeface="+mn-lt"/>
-                <a:ea typeface="+mn-ea"/>
-                <a:cs typeface="+mn-cs"/>
-              </a:defRPr>
-            </a:lvl6pPr>
-            <a:lvl7pPr marL="2971800" indent="-228600" algn="l" defTabSz="914400" rtl="0" eaLnBrk="1" latinLnBrk="0" hangingPunct="1">
-              <a:lnSpc>
-                <a:spcPct val="90000"/>
-              </a:lnSpc>
-              <a:spcBef>
-                <a:spcPts val="500"/>
-              </a:spcBef>
-              <a:buFont typeface="Arial" panose="020B0604020202020204" pitchFamily="34" charset="0"/>
-              <a:buChar char="•"/>
-              <a:defRPr sz="1800" kern="1200">
-                <a:solidFill>
-                  <a:schemeClr val="tx1"/>
-                </a:solidFill>
-                <a:latin typeface="+mn-lt"/>
-                <a:ea typeface="+mn-ea"/>
-                <a:cs typeface="+mn-cs"/>
-              </a:defRPr>
-            </a:lvl7pPr>
-            <a:lvl8pPr marL="3429000" indent="-228600" algn="l" defTabSz="914400" rtl="0" eaLnBrk="1" latinLnBrk="0" hangingPunct="1">
-              <a:lnSpc>
-                <a:spcPct val="90000"/>
-              </a:lnSpc>
-              <a:spcBef>
-                <a:spcPts val="500"/>
-              </a:spcBef>
-              <a:buFont typeface="Arial" panose="020B0604020202020204" pitchFamily="34" charset="0"/>
-              <a:buChar char="•"/>
-              <a:defRPr sz="1800" kern="1200">
-                <a:solidFill>
-                  <a:schemeClr val="tx1"/>
-                </a:solidFill>
-                <a:latin typeface="+mn-lt"/>
-                <a:ea typeface="+mn-ea"/>
-                <a:cs typeface="+mn-cs"/>
-              </a:defRPr>
-            </a:lvl8pPr>
-            <a:lvl9pPr marL="3886200" indent="-228600" algn="l" defTabSz="914400" rtl="0" eaLnBrk="1" latinLnBrk="0" hangingPunct="1">
-              <a:lnSpc>
-                <a:spcPct val="90000"/>
-              </a:lnSpc>
-              <a:spcBef>
-                <a:spcPts val="500"/>
-              </a:spcBef>
-              <a:buFont typeface="Arial" panose="020B0604020202020204" pitchFamily="34" charset="0"/>
-              <a:buChar char="•"/>
-              <a:defRPr sz="1800" kern="1200">
-                <a:solidFill>
-                  <a:schemeClr val="tx1"/>
-                </a:solidFill>
-                <a:latin typeface="+mn-lt"/>
-                <a:ea typeface="+mn-ea"/>
-                <a:cs typeface="+mn-cs"/>
-              </a:defRPr>
-            </a:lvl9pPr>
-          </a:lstStyle>
-          <a:p>
-            <a:r>
-              <a:rPr lang="en-US"/>
-              <a:t>By Alfonso Banda</a:t>
-            </a:r>
-          </a:p>
-        </p:txBody>
-      </p:sp>
-      <p:pic>
-        <p:nvPicPr>
-          <p:cNvPr id="3074" name="Picture 2" descr="A picture containing cartoon, clipart, emoticon, graphics&#10;&#10;Description automatically generated">
-            <a:extLst>
-              <a:ext uri="{FF2B5EF4-FFF2-40B4-BE49-F238E27FC236}">
-                <a16:creationId xmlns:a16="http://schemas.microsoft.com/office/drawing/2014/main" id="{D36591E5-1973-B8FD-8323-7011B8C241E5}"/>
-              </a:ext>
-            </a:extLst>
-          </p:cNvPr>
-          <p:cNvPicPr>
-            <a:picLocks noChangeAspect="1" noChangeArrowheads="1"/>
-          </p:cNvPicPr>
-          <p:nvPr/>
-        </p:nvPicPr>
-        <p:blipFill>
-          <a:blip r:embed="rId2" cstate="screen">
-            <a:extLst>
-              <a:ext uri="{28A0092B-C50C-407E-A947-70E740481C1C}">
-                <a14:useLocalDpi xmlns:a14="http://schemas.microsoft.com/office/drawing/2010/main" val="0"/>
-              </a:ext>
-            </a:extLst>
-          </a:blip>
-          <a:srcRect/>
-          <a:stretch>
-            <a:fillRect/>
-          </a:stretch>
-        </p:blipFill>
-        <p:spPr bwMode="auto">
-          <a:xfrm>
-            <a:off x="602333" y="4651997"/>
-            <a:ext cx="972778" cy="976815"/>
+            <a:off x="3056206" y="3247851"/>
+            <a:ext cx="6112412" cy="369332"/>
           </a:xfrm>
           <a:prstGeom prst="rect">
             <a:avLst/>
           </a:prstGeom>
           <a:noFill/>
-          <a:extLst>
-            <a:ext uri="{909E8E84-426E-40DD-AFC4-6F175D3DCCD1}">
-              <a14:hiddenFill xmlns:a14="http://schemas.microsoft.com/office/drawing/2010/main">
-                <a:solidFill>
-                  <a:srgbClr val="FFFFFF"/>
-                </a:solidFill>
-              </a14:hiddenFill>
-            </a:ext>
-          </a:extLst>
         </p:spPr>
-      </p:pic>
+        <p:txBody>
+          <a:bodyPr wrap="square">
+            <a:spAutoFit/>
+          </a:bodyPr>
+          <a:lstStyle/>
+          <a:p>
+            <a:r>
+              <a:rPr lang="en-US" b="0">
+                <a:effectLst/>
+              </a:rPr>
+              <a:t> </a:t>
+            </a:r>
+            <a:endParaRPr lang="en-US"/>
+          </a:p>
+        </p:txBody>
+      </p:sp>
     </p:spTree>
     <p:extLst>
       <p:ext uri="{BB962C8B-B14F-4D97-AF65-F5344CB8AC3E}">
-        <p14:creationId xmlns:p14="http://schemas.microsoft.com/office/powerpoint/2010/main" val="3997286292"/>
+        <p14:creationId xmlns:p14="http://schemas.microsoft.com/office/powerpoint/2010/main" val="569822374"/>
       </p:ext>
     </p:extLst>
   </p:cSld>
@@ -20523,282 +20478,6 @@
 </file>
 
 <file path=ppt/slides/slide10.xml><?xml version="1.0" encoding="utf-8"?>
-<p:sld xmlns:a="http://schemas.openxmlformats.org/drawingml/2006/main" xmlns:r="http://schemas.openxmlformats.org/officeDocument/2006/relationships" xmlns:p="http://schemas.openxmlformats.org/presentationml/2006/main">
-  <p:cSld>
-    <p:spTree>
-      <p:nvGrpSpPr>
-        <p:cNvPr id="1" name="Shape 311"/>
-        <p:cNvGrpSpPr/>
-        <p:nvPr/>
-      </p:nvGrpSpPr>
-      <p:grpSpPr>
-        <a:xfrm>
-          <a:off x="0" y="0"/>
-          <a:ext cx="0" cy="0"/>
-          <a:chOff x="0" y="0"/>
-          <a:chExt cx="0" cy="0"/>
-        </a:xfrm>
-      </p:grpSpPr>
-      <p:sp>
-        <p:nvSpPr>
-          <p:cNvPr id="312" name="Google Shape;312;p19"/>
-          <p:cNvSpPr txBox="1">
-            <a:spLocks noGrp="1"/>
-          </p:cNvSpPr>
-          <p:nvPr>
-            <p:ph type="title"/>
-          </p:nvPr>
-        </p:nvSpPr>
-        <p:spPr>
-          <a:xfrm>
-            <a:off x="1738400" y="798100"/>
-            <a:ext cx="9374000" cy="1332400"/>
-          </a:xfrm>
-          <a:prstGeom prst="rect">
-            <a:avLst/>
-          </a:prstGeom>
-        </p:spPr>
-        <p:txBody>
-          <a:bodyPr spcFirstLastPara="1" wrap="square" lIns="121900" tIns="121900" rIns="121900" bIns="121900" anchor="t" anchorCtr="0">
-            <a:normAutofit/>
-          </a:bodyPr>
-          <a:lstStyle/>
-          <a:p>
-            <a:r>
-              <a:rPr lang="es-419"/>
-              <a:t>Main branch </a:t>
-            </a:r>
-            <a:r>
-              <a:rPr lang="es-419" sz="2696"/>
-              <a:t>(Don’t touch it unless you know what are you doing)</a:t>
-            </a:r>
-            <a:endParaRPr sz="2696"/>
-          </a:p>
-        </p:txBody>
-      </p:sp>
-      <p:sp>
-        <p:nvSpPr>
-          <p:cNvPr id="313" name="Google Shape;313;p19"/>
-          <p:cNvSpPr txBox="1">
-            <a:spLocks noGrp="1"/>
-          </p:cNvSpPr>
-          <p:nvPr>
-            <p:ph type="body" idx="1"/>
-          </p:nvPr>
-        </p:nvSpPr>
-        <p:spPr>
-          <a:xfrm>
-            <a:off x="1738400" y="2653400"/>
-            <a:ext cx="9374000" cy="3388800"/>
-          </a:xfrm>
-          <a:prstGeom prst="rect">
-            <a:avLst/>
-          </a:prstGeom>
-        </p:spPr>
-        <p:txBody>
-          <a:bodyPr spcFirstLastPara="1" wrap="square" lIns="121900" tIns="121900" rIns="121900" bIns="121900" anchor="t" anchorCtr="0">
-            <a:normAutofit/>
-          </a:bodyPr>
-          <a:lstStyle/>
-          <a:p>
-            <a:pPr marL="0" indent="0">
-              <a:spcAft>
-                <a:spcPts val="1600"/>
-              </a:spcAft>
-              <a:buNone/>
-            </a:pPr>
-            <a:r>
-              <a:rPr lang="es-419"/>
-              <a:t>by convention this branch is used for production deployments, should be stable and before any merging, all the changes should be properly tested and verified.</a:t>
-            </a:r>
-            <a:endParaRPr/>
-          </a:p>
-        </p:txBody>
-      </p:sp>
-      <p:pic>
-        <p:nvPicPr>
-          <p:cNvPr id="314" name="Google Shape;314;p19"/>
-          <p:cNvPicPr preferRelativeResize="0"/>
-          <p:nvPr/>
-        </p:nvPicPr>
-        <p:blipFill>
-          <a:blip r:embed="rId3">
-            <a:alphaModFix/>
-          </a:blip>
-          <a:stretch>
-            <a:fillRect/>
-          </a:stretch>
-        </p:blipFill>
-        <p:spPr>
-          <a:xfrm>
-            <a:off x="4445391" y="4135902"/>
-            <a:ext cx="3820227" cy="2200097"/>
-          </a:xfrm>
-          <a:prstGeom prst="rect">
-            <a:avLst/>
-          </a:prstGeom>
-          <a:noFill/>
-          <a:ln>
-            <a:noFill/>
-          </a:ln>
-        </p:spPr>
-      </p:pic>
-    </p:spTree>
-  </p:cSld>
-  <p:clrMapOvr>
-    <a:masterClrMapping/>
-  </p:clrMapOvr>
-</p:sld>
-</file>
-
-<file path=ppt/slides/slide11.xml><?xml version="1.0" encoding="utf-8"?>
-<p:sld xmlns:a="http://schemas.openxmlformats.org/drawingml/2006/main" xmlns:r="http://schemas.openxmlformats.org/officeDocument/2006/relationships" xmlns:p="http://schemas.openxmlformats.org/presentationml/2006/main">
-  <p:cSld>
-    <p:spTree>
-      <p:nvGrpSpPr>
-        <p:cNvPr id="1" name="Shape 318"/>
-        <p:cNvGrpSpPr/>
-        <p:nvPr/>
-      </p:nvGrpSpPr>
-      <p:grpSpPr>
-        <a:xfrm>
-          <a:off x="0" y="0"/>
-          <a:ext cx="0" cy="0"/>
-          <a:chOff x="0" y="0"/>
-          <a:chExt cx="0" cy="0"/>
-        </a:xfrm>
-      </p:grpSpPr>
-      <p:sp>
-        <p:nvSpPr>
-          <p:cNvPr id="319" name="Google Shape;319;p20"/>
-          <p:cNvSpPr txBox="1">
-            <a:spLocks noGrp="1"/>
-          </p:cNvSpPr>
-          <p:nvPr>
-            <p:ph type="title"/>
-          </p:nvPr>
-        </p:nvSpPr>
-        <p:spPr>
-          <a:xfrm>
-            <a:off x="1738400" y="798100"/>
-            <a:ext cx="9374000" cy="1332400"/>
-          </a:xfrm>
-          <a:prstGeom prst="rect">
-            <a:avLst/>
-          </a:prstGeom>
-        </p:spPr>
-        <p:txBody>
-          <a:bodyPr spcFirstLastPara="1" wrap="square" lIns="121900" tIns="121900" rIns="121900" bIns="121900" anchor="t" anchorCtr="0">
-            <a:normAutofit/>
-          </a:bodyPr>
-          <a:lstStyle/>
-          <a:p>
-            <a:r>
-              <a:rPr lang="es-419"/>
-              <a:t>Pull Request</a:t>
-            </a:r>
-            <a:endParaRPr/>
-          </a:p>
-        </p:txBody>
-      </p:sp>
-      <p:sp>
-        <p:nvSpPr>
-          <p:cNvPr id="320" name="Google Shape;320;p20"/>
-          <p:cNvSpPr txBox="1">
-            <a:spLocks noGrp="1"/>
-          </p:cNvSpPr>
-          <p:nvPr>
-            <p:ph type="body" idx="1"/>
-          </p:nvPr>
-        </p:nvSpPr>
-        <p:spPr>
-          <a:xfrm>
-            <a:off x="1738400" y="2653400"/>
-            <a:ext cx="9374000" cy="3388800"/>
-          </a:xfrm>
-          <a:prstGeom prst="rect">
-            <a:avLst/>
-          </a:prstGeom>
-        </p:spPr>
-        <p:txBody>
-          <a:bodyPr spcFirstLastPara="1" wrap="square" lIns="121900" tIns="121900" rIns="121900" bIns="121900" anchor="t" anchorCtr="0">
-            <a:normAutofit/>
-          </a:bodyPr>
-          <a:lstStyle/>
-          <a:p>
-            <a:pPr marL="0" indent="0">
-              <a:buNone/>
-            </a:pPr>
-            <a:r>
-              <a:rPr lang="es-419"/>
-              <a:t>Tool used for verifying code changes before passing to a principal branch.</a:t>
-            </a:r>
-            <a:endParaRPr/>
-          </a:p>
-          <a:p>
-            <a:pPr marL="0" indent="0">
-              <a:spcBef>
-                <a:spcPts val="1600"/>
-              </a:spcBef>
-              <a:spcAft>
-                <a:spcPts val="1600"/>
-              </a:spcAft>
-              <a:buNone/>
-            </a:pPr>
-            <a:r>
-              <a:rPr lang="es-419"/>
-              <a:t>Example: </a:t>
-            </a:r>
-            <a:r>
-              <a:rPr lang="es-419" u="sng">
-                <a:solidFill>
-                  <a:schemeClr val="hlink"/>
-                </a:solidFill>
-                <a:hlinkClick r:id="rId3"/>
-              </a:rPr>
-              <a:t>Pokedex Pull Request</a:t>
-            </a:r>
-            <a:endParaRPr/>
-          </a:p>
-        </p:txBody>
-      </p:sp>
-      <p:pic>
-        <p:nvPicPr>
-          <p:cNvPr id="321" name="Google Shape;321;p20"/>
-          <p:cNvPicPr preferRelativeResize="0"/>
-          <p:nvPr/>
-        </p:nvPicPr>
-        <p:blipFill>
-          <a:blip r:embed="rId4">
-            <a:alphaModFix/>
-          </a:blip>
-          <a:stretch>
-            <a:fillRect/>
-          </a:stretch>
-        </p:blipFill>
-        <p:spPr>
-          <a:xfrm>
-            <a:off x="8147001" y="3703733"/>
-            <a:ext cx="2013500" cy="2582900"/>
-          </a:xfrm>
-          <a:prstGeom prst="rect">
-            <a:avLst/>
-          </a:prstGeom>
-          <a:noFill/>
-          <a:ln>
-            <a:noFill/>
-          </a:ln>
-        </p:spPr>
-      </p:pic>
-    </p:spTree>
-  </p:cSld>
-  <p:clrMapOvr>
-    <a:masterClrMapping/>
-  </p:clrMapOvr>
-</p:sld>
-</file>
-
-<file path=ppt/slides/slide12.xml><?xml version="1.0" encoding="utf-8"?>
 <p:sld xmlns:a="http://schemas.openxmlformats.org/drawingml/2006/main" xmlns:r="http://schemas.openxmlformats.org/officeDocument/2006/relationships" xmlns:p="http://schemas.openxmlformats.org/presentationml/2006/main">
   <p:cSld>
     <p:spTree>
@@ -20923,7 +20602,7 @@
 </p:sld>
 </file>
 
-<file path=ppt/slides/slide13.xml><?xml version="1.0" encoding="utf-8"?>
+<file path=ppt/slides/slide11.xml><?xml version="1.0" encoding="utf-8"?>
 <p:sld xmlns:a="http://schemas.openxmlformats.org/drawingml/2006/main" xmlns:r="http://schemas.openxmlformats.org/officeDocument/2006/relationships" xmlns:p="http://schemas.openxmlformats.org/presentationml/2006/main">
   <p:cSld>
     <p:spTree>
@@ -21111,7 +20790,7 @@
 </p:sld>
 </file>
 
-<file path=ppt/slides/slide14.xml><?xml version="1.0" encoding="utf-8"?>
+<file path=ppt/slides/slide12.xml><?xml version="1.0" encoding="utf-8"?>
 <p:sld xmlns:a="http://schemas.openxmlformats.org/drawingml/2006/main" xmlns:r="http://schemas.openxmlformats.org/officeDocument/2006/relationships" xmlns:p="http://schemas.openxmlformats.org/presentationml/2006/main">
   <p:cSld>
     <p:spTree>
@@ -21236,7 +20915,7 @@
 </p:sld>
 </file>
 
-<file path=ppt/slides/slide15.xml><?xml version="1.0" encoding="utf-8"?>
+<file path=ppt/slides/slide13.xml><?xml version="1.0" encoding="utf-8"?>
 <p:sld xmlns:a="http://schemas.openxmlformats.org/drawingml/2006/main" xmlns:r="http://schemas.openxmlformats.org/officeDocument/2006/relationships" xmlns:p="http://schemas.openxmlformats.org/presentationml/2006/main">
   <p:cSld>
     <p:spTree>
@@ -21433,7 +21112,7 @@
 </p:sld>
 </file>
 
-<file path=ppt/slides/slide16.xml><?xml version="1.0" encoding="utf-8"?>
+<file path=ppt/slides/slide14.xml><?xml version="1.0" encoding="utf-8"?>
 <p:sld xmlns:a="http://schemas.openxmlformats.org/drawingml/2006/main" xmlns:r="http://schemas.openxmlformats.org/officeDocument/2006/relationships" xmlns:p="http://schemas.openxmlformats.org/presentationml/2006/main">
   <p:cSld>
     <p:spTree>
@@ -21837,7 +21516,7 @@
 </p:sld>
 </file>
 
-<file path=ppt/slides/slide17.xml><?xml version="1.0" encoding="utf-8"?>
+<file path=ppt/slides/slide15.xml><?xml version="1.0" encoding="utf-8"?>
 <p:sld xmlns:a="http://schemas.openxmlformats.org/drawingml/2006/main" xmlns:r="http://schemas.openxmlformats.org/officeDocument/2006/relationships" xmlns:p="http://schemas.openxmlformats.org/presentationml/2006/main">
   <p:cSld>
     <p:spTree>
@@ -21956,1172 +21635,7 @@
 </p:sld>
 </file>
 
-<file path=ppt/slides/slide18.xml><?xml version="1.0" encoding="utf-8"?>
-<p:sld xmlns:a="http://schemas.openxmlformats.org/drawingml/2006/main" xmlns:r="http://schemas.openxmlformats.org/officeDocument/2006/relationships" xmlns:p="http://schemas.openxmlformats.org/presentationml/2006/main">
-  <p:cSld>
-    <p:spTree>
-      <p:nvGrpSpPr>
-        <p:cNvPr id="1" name=""/>
-        <p:cNvGrpSpPr/>
-        <p:nvPr/>
-      </p:nvGrpSpPr>
-      <p:grpSpPr>
-        <a:xfrm>
-          <a:off x="0" y="0"/>
-          <a:ext cx="0" cy="0"/>
-          <a:chOff x="0" y="0"/>
-          <a:chExt cx="0" cy="0"/>
-        </a:xfrm>
-      </p:grpSpPr>
-      <p:sp>
-        <p:nvSpPr>
-          <p:cNvPr id="10" name="Text Placeholder 9">
-            <a:extLst>
-              <a:ext uri="{FF2B5EF4-FFF2-40B4-BE49-F238E27FC236}">
-                <a16:creationId xmlns:a16="http://schemas.microsoft.com/office/drawing/2014/main" id="{34F07E0C-7E57-FE6F-815A-5B46546D3CCB}"/>
-              </a:ext>
-            </a:extLst>
-          </p:cNvPr>
-          <p:cNvSpPr>
-            <a:spLocks noGrp="1"/>
-          </p:cNvSpPr>
-          <p:nvPr>
-            <p:ph type="body" sz="quarter" idx="10"/>
-          </p:nvPr>
-        </p:nvSpPr>
-        <p:spPr/>
-        <p:txBody>
-          <a:bodyPr lIns="91440" tIns="45720" rIns="91440" bIns="45720" anchor="ctr"/>
-          <a:lstStyle/>
-          <a:p>
-            <a:r>
-              <a:rPr lang="en-US">
-                <a:ea typeface="+mn-lt"/>
-                <a:cs typeface="+mn-lt"/>
-              </a:rPr>
-              <a:t>Thank you!</a:t>
-            </a:r>
-            <a:endParaRPr lang="en-US">
-              <a:cs typeface="Arial"/>
-            </a:endParaRPr>
-          </a:p>
-        </p:txBody>
-      </p:sp>
-      <p:pic>
-        <p:nvPicPr>
-          <p:cNvPr id="2050" name="Picture 2" descr="A picture containing cartoon, clipart, emoticon, graphics&#10;&#10;Description automatically generated">
-            <a:extLst>
-              <a:ext uri="{FF2B5EF4-FFF2-40B4-BE49-F238E27FC236}">
-                <a16:creationId xmlns:a16="http://schemas.microsoft.com/office/drawing/2014/main" id="{6F075466-2DD3-2F77-B32B-D38FFADAD3ED}"/>
-              </a:ext>
-            </a:extLst>
-          </p:cNvPr>
-          <p:cNvPicPr>
-            <a:picLocks noChangeAspect="1" noChangeArrowheads="1"/>
-          </p:cNvPicPr>
-          <p:nvPr/>
-        </p:nvPicPr>
-        <p:blipFill>
-          <a:blip r:embed="rId2">
-            <a:extLst>
-              <a:ext uri="{28A0092B-C50C-407E-A947-70E740481C1C}">
-                <a14:useLocalDpi xmlns:a14="http://schemas.microsoft.com/office/drawing/2010/main" val="0"/>
-              </a:ext>
-            </a:extLst>
-          </a:blip>
-          <a:srcRect/>
-          <a:stretch>
-            <a:fillRect/>
-          </a:stretch>
-        </p:blipFill>
-        <p:spPr bwMode="auto">
-          <a:xfrm>
-            <a:off x="658317" y="2273885"/>
-            <a:ext cx="2295525" cy="2305050"/>
-          </a:xfrm>
-          <a:prstGeom prst="rect">
-            <a:avLst/>
-          </a:prstGeom>
-          <a:noFill/>
-          <a:extLst>
-            <a:ext uri="{909E8E84-426E-40DD-AFC4-6F175D3DCCD1}">
-              <a14:hiddenFill xmlns:a14="http://schemas.microsoft.com/office/drawing/2010/main">
-                <a:solidFill>
-                  <a:srgbClr val="FFFFFF"/>
-                </a:solidFill>
-              </a14:hiddenFill>
-            </a:ext>
-          </a:extLst>
-        </p:spPr>
-      </p:pic>
-    </p:spTree>
-    <p:extLst>
-      <p:ext uri="{BB962C8B-B14F-4D97-AF65-F5344CB8AC3E}">
-        <p14:creationId xmlns:p14="http://schemas.microsoft.com/office/powerpoint/2010/main" val="350164762"/>
-      </p:ext>
-    </p:extLst>
-  </p:cSld>
-  <p:clrMapOvr>
-    <a:masterClrMapping/>
-  </p:clrMapOvr>
-  <mc:AlternateContent xmlns:mc="http://schemas.openxmlformats.org/markup-compatibility/2006" xmlns:p14="http://schemas.microsoft.com/office/powerpoint/2010/main">
-    <mc:Choice Requires="p14">
-      <p:transition spd="med" p14:dur="700">
-        <p:fade/>
-      </p:transition>
-    </mc:Choice>
-    <mc:Fallback xmlns="">
-      <p:transition spd="med">
-        <p:fade/>
-      </p:transition>
-    </mc:Fallback>
-  </mc:AlternateContent>
-</p:sld>
-</file>
-
-<file path=ppt/slides/slide19.xml><?xml version="1.0" encoding="utf-8"?>
-<p:sld xmlns:a="http://schemas.openxmlformats.org/drawingml/2006/main" xmlns:r="http://schemas.openxmlformats.org/officeDocument/2006/relationships" xmlns:p="http://schemas.openxmlformats.org/presentationml/2006/main">
-  <p:cSld>
-    <p:spTree>
-      <p:nvGrpSpPr>
-        <p:cNvPr id="1" name=""/>
-        <p:cNvGrpSpPr/>
-        <p:nvPr/>
-      </p:nvGrpSpPr>
-      <p:grpSpPr>
-        <a:xfrm>
-          <a:off x="0" y="0"/>
-          <a:ext cx="0" cy="0"/>
-          <a:chOff x="0" y="0"/>
-          <a:chExt cx="0" cy="0"/>
-        </a:xfrm>
-      </p:grpSpPr>
-      <p:sp>
-        <p:nvSpPr>
-          <p:cNvPr id="2" name="Text Placeholder 1">
-            <a:extLst>
-              <a:ext uri="{FF2B5EF4-FFF2-40B4-BE49-F238E27FC236}">
-                <a16:creationId xmlns:a16="http://schemas.microsoft.com/office/drawing/2014/main" id="{7F3A5998-032B-4549-BDC0-BAC29CAFB8E6}"/>
-              </a:ext>
-            </a:extLst>
-          </p:cNvPr>
-          <p:cNvSpPr>
-            <a:spLocks noGrp="1"/>
-          </p:cNvSpPr>
-          <p:nvPr>
-            <p:ph type="body" sz="quarter" idx="10"/>
-          </p:nvPr>
-        </p:nvSpPr>
-        <p:spPr/>
-        <p:txBody>
-          <a:bodyPr/>
-          <a:lstStyle/>
-          <a:p>
-            <a:r>
-              <a:rPr lang="en-US"/>
-              <a:t>Don’t forget to submit your IC points!!!</a:t>
-            </a:r>
-          </a:p>
-        </p:txBody>
-      </p:sp>
-    </p:spTree>
-    <p:extLst>
-      <p:ext uri="{BB962C8B-B14F-4D97-AF65-F5344CB8AC3E}">
-        <p14:creationId xmlns:p14="http://schemas.microsoft.com/office/powerpoint/2010/main" val="1319805102"/>
-      </p:ext>
-    </p:extLst>
-  </p:cSld>
-  <p:clrMapOvr>
-    <a:masterClrMapping/>
-  </p:clrMapOvr>
-  <mc:AlternateContent xmlns:mc="http://schemas.openxmlformats.org/markup-compatibility/2006" xmlns:p14="http://schemas.microsoft.com/office/powerpoint/2010/main">
-    <mc:Choice Requires="p14">
-      <p:transition spd="med" p14:dur="700">
-        <p:fade/>
-      </p:transition>
-    </mc:Choice>
-    <mc:Fallback xmlns="">
-      <p:transition spd="med">
-        <p:fade/>
-      </p:transition>
-    </mc:Fallback>
-  </mc:AlternateContent>
-</p:sld>
-</file>
-
 <file path=ppt/slides/slide2.xml><?xml version="1.0" encoding="utf-8"?>
-<p:sld xmlns:a="http://schemas.openxmlformats.org/drawingml/2006/main" xmlns:r="http://schemas.openxmlformats.org/officeDocument/2006/relationships" xmlns:p="http://schemas.openxmlformats.org/presentationml/2006/main">
-  <p:cSld>
-    <p:spTree>
-      <p:nvGrpSpPr>
-        <p:cNvPr id="1" name=""/>
-        <p:cNvGrpSpPr/>
-        <p:nvPr/>
-      </p:nvGrpSpPr>
-      <p:grpSpPr>
-        <a:xfrm>
-          <a:off x="0" y="0"/>
-          <a:ext cx="0" cy="0"/>
-          <a:chOff x="0" y="0"/>
-          <a:chExt cx="0" cy="0"/>
-        </a:xfrm>
-      </p:grpSpPr>
-      <p:sp>
-        <p:nvSpPr>
-          <p:cNvPr id="4" name="Text Placeholder 3">
-            <a:extLst>
-              <a:ext uri="{FF2B5EF4-FFF2-40B4-BE49-F238E27FC236}">
-                <a16:creationId xmlns:a16="http://schemas.microsoft.com/office/drawing/2014/main" id="{0E80E296-D1A0-EE0C-2E66-E7260C50F9DA}"/>
-              </a:ext>
-            </a:extLst>
-          </p:cNvPr>
-          <p:cNvSpPr>
-            <a:spLocks noGrp="1"/>
-          </p:cNvSpPr>
-          <p:nvPr>
-            <p:ph type="body" sz="quarter" idx="10"/>
-          </p:nvPr>
-        </p:nvSpPr>
-        <p:spPr>
-          <a:xfrm>
-            <a:off x="658317" y="3977449"/>
-            <a:ext cx="6400800" cy="665086"/>
-          </a:xfrm>
-        </p:spPr>
-        <p:txBody>
-          <a:bodyPr/>
-          <a:lstStyle/>
-          <a:p>
-            <a:r>
-              <a:rPr lang="en-US"/>
-              <a:t>I’m Alfonso Banda</a:t>
-            </a:r>
-            <a:endParaRPr lang="es-MX"/>
-          </a:p>
-        </p:txBody>
-      </p:sp>
-      <p:sp>
-        <p:nvSpPr>
-          <p:cNvPr id="5" name="Text Placeholder 4">
-            <a:extLst>
-              <a:ext uri="{FF2B5EF4-FFF2-40B4-BE49-F238E27FC236}">
-                <a16:creationId xmlns:a16="http://schemas.microsoft.com/office/drawing/2014/main" id="{7B71E46A-AEA1-21F7-9D14-870CF6C27120}"/>
-              </a:ext>
-            </a:extLst>
-          </p:cNvPr>
-          <p:cNvSpPr>
-            <a:spLocks noGrp="1"/>
-          </p:cNvSpPr>
-          <p:nvPr>
-            <p:ph type="body" sz="quarter" idx="11"/>
-          </p:nvPr>
-        </p:nvSpPr>
-        <p:spPr>
-          <a:xfrm>
-            <a:off x="658812" y="4662029"/>
-            <a:ext cx="7300199" cy="415925"/>
-          </a:xfrm>
-        </p:spPr>
-        <p:txBody>
-          <a:bodyPr/>
-          <a:lstStyle/>
-          <a:p>
-            <a:r>
-              <a:rPr lang="en-US"/>
-              <a:t>From Frontend as Lead Consultant</a:t>
-            </a:r>
-            <a:endParaRPr lang="es-MX"/>
-          </a:p>
-        </p:txBody>
-      </p:sp>
-      <p:sp>
-        <p:nvSpPr>
-          <p:cNvPr id="8" name="Text Placeholder 4">
-            <a:extLst>
-              <a:ext uri="{FF2B5EF4-FFF2-40B4-BE49-F238E27FC236}">
-                <a16:creationId xmlns:a16="http://schemas.microsoft.com/office/drawing/2014/main" id="{7805531E-C96D-C01B-7BE7-5502D907E51F}"/>
-              </a:ext>
-            </a:extLst>
-          </p:cNvPr>
-          <p:cNvSpPr txBox="1">
-            <a:spLocks/>
-          </p:cNvSpPr>
-          <p:nvPr/>
-        </p:nvSpPr>
-        <p:spPr>
-          <a:xfrm>
-            <a:off x="658317" y="5097448"/>
-            <a:ext cx="2743200" cy="415925"/>
-          </a:xfrm>
-          <a:prstGeom prst="rect">
-            <a:avLst/>
-          </a:prstGeom>
-        </p:spPr>
-        <p:txBody>
-          <a:bodyPr anchor="ctr"/>
-          <a:lstStyle>
-            <a:lvl1pPr marL="0" indent="0" algn="l" defTabSz="914400" rtl="0" eaLnBrk="1" latinLnBrk="0" hangingPunct="1">
-              <a:lnSpc>
-                <a:spcPct val="90000"/>
-              </a:lnSpc>
-              <a:spcBef>
-                <a:spcPts val="1000"/>
-              </a:spcBef>
-              <a:buFont typeface="Arial" panose="020B0604020202020204" pitchFamily="34" charset="0"/>
-              <a:buNone/>
-              <a:defRPr sz="1800" b="1" kern="1200">
-                <a:solidFill>
-                  <a:schemeClr val="bg2"/>
-                </a:solidFill>
-                <a:latin typeface="+mn-lt"/>
-                <a:ea typeface="+mn-ea"/>
-                <a:cs typeface="+mn-cs"/>
-              </a:defRPr>
-            </a:lvl1pPr>
-            <a:lvl2pPr marL="685800" indent="-228600" algn="l" defTabSz="914400" rtl="0" eaLnBrk="1" latinLnBrk="0" hangingPunct="1">
-              <a:lnSpc>
-                <a:spcPct val="90000"/>
-              </a:lnSpc>
-              <a:spcBef>
-                <a:spcPts val="500"/>
-              </a:spcBef>
-              <a:buFont typeface="Arial" panose="020B0604020202020204" pitchFamily="34" charset="0"/>
-              <a:buChar char="•"/>
-              <a:defRPr sz="2400" kern="1200">
-                <a:solidFill>
-                  <a:schemeClr val="tx1"/>
-                </a:solidFill>
-                <a:latin typeface="+mn-lt"/>
-                <a:ea typeface="+mn-ea"/>
-                <a:cs typeface="+mn-cs"/>
-              </a:defRPr>
-            </a:lvl2pPr>
-            <a:lvl3pPr marL="1143000" indent="-228600" algn="l" defTabSz="914400" rtl="0" eaLnBrk="1" latinLnBrk="0" hangingPunct="1">
-              <a:lnSpc>
-                <a:spcPct val="90000"/>
-              </a:lnSpc>
-              <a:spcBef>
-                <a:spcPts val="500"/>
-              </a:spcBef>
-              <a:buFont typeface="Arial" panose="020B0604020202020204" pitchFamily="34" charset="0"/>
-              <a:buChar char="•"/>
-              <a:defRPr sz="2000" kern="1200">
-                <a:solidFill>
-                  <a:schemeClr val="tx1"/>
-                </a:solidFill>
-                <a:latin typeface="+mn-lt"/>
-                <a:ea typeface="+mn-ea"/>
-                <a:cs typeface="+mn-cs"/>
-              </a:defRPr>
-            </a:lvl3pPr>
-            <a:lvl4pPr marL="1600200" indent="-228600" algn="l" defTabSz="914400" rtl="0" eaLnBrk="1" latinLnBrk="0" hangingPunct="1">
-              <a:lnSpc>
-                <a:spcPct val="90000"/>
-              </a:lnSpc>
-              <a:spcBef>
-                <a:spcPts val="500"/>
-              </a:spcBef>
-              <a:buFont typeface="Arial" panose="020B0604020202020204" pitchFamily="34" charset="0"/>
-              <a:buChar char="•"/>
-              <a:defRPr sz="1800" kern="1200">
-                <a:solidFill>
-                  <a:schemeClr val="tx1"/>
-                </a:solidFill>
-                <a:latin typeface="+mn-lt"/>
-                <a:ea typeface="+mn-ea"/>
-                <a:cs typeface="+mn-cs"/>
-              </a:defRPr>
-            </a:lvl4pPr>
-            <a:lvl5pPr marL="2057400" indent="-228600" algn="l" defTabSz="914400" rtl="0" eaLnBrk="1" latinLnBrk="0" hangingPunct="1">
-              <a:lnSpc>
-                <a:spcPct val="90000"/>
-              </a:lnSpc>
-              <a:spcBef>
-                <a:spcPts val="500"/>
-              </a:spcBef>
-              <a:buFont typeface="Arial" panose="020B0604020202020204" pitchFamily="34" charset="0"/>
-              <a:buChar char="•"/>
-              <a:defRPr sz="1800" kern="1200">
-                <a:solidFill>
-                  <a:schemeClr val="tx1"/>
-                </a:solidFill>
-                <a:latin typeface="+mn-lt"/>
-                <a:ea typeface="+mn-ea"/>
-                <a:cs typeface="+mn-cs"/>
-              </a:defRPr>
-            </a:lvl5pPr>
-            <a:lvl6pPr marL="2514600" indent="-228600" algn="l" defTabSz="914400" rtl="0" eaLnBrk="1" latinLnBrk="0" hangingPunct="1">
-              <a:lnSpc>
-                <a:spcPct val="90000"/>
-              </a:lnSpc>
-              <a:spcBef>
-                <a:spcPts val="500"/>
-              </a:spcBef>
-              <a:buFont typeface="Arial" panose="020B0604020202020204" pitchFamily="34" charset="0"/>
-              <a:buChar char="•"/>
-              <a:defRPr sz="1800" kern="1200">
-                <a:solidFill>
-                  <a:schemeClr val="tx1"/>
-                </a:solidFill>
-                <a:latin typeface="+mn-lt"/>
-                <a:ea typeface="+mn-ea"/>
-                <a:cs typeface="+mn-cs"/>
-              </a:defRPr>
-            </a:lvl6pPr>
-            <a:lvl7pPr marL="2971800" indent="-228600" algn="l" defTabSz="914400" rtl="0" eaLnBrk="1" latinLnBrk="0" hangingPunct="1">
-              <a:lnSpc>
-                <a:spcPct val="90000"/>
-              </a:lnSpc>
-              <a:spcBef>
-                <a:spcPts val="500"/>
-              </a:spcBef>
-              <a:buFont typeface="Arial" panose="020B0604020202020204" pitchFamily="34" charset="0"/>
-              <a:buChar char="•"/>
-              <a:defRPr sz="1800" kern="1200">
-                <a:solidFill>
-                  <a:schemeClr val="tx1"/>
-                </a:solidFill>
-                <a:latin typeface="+mn-lt"/>
-                <a:ea typeface="+mn-ea"/>
-                <a:cs typeface="+mn-cs"/>
-              </a:defRPr>
-            </a:lvl7pPr>
-            <a:lvl8pPr marL="3429000" indent="-228600" algn="l" defTabSz="914400" rtl="0" eaLnBrk="1" latinLnBrk="0" hangingPunct="1">
-              <a:lnSpc>
-                <a:spcPct val="90000"/>
-              </a:lnSpc>
-              <a:spcBef>
-                <a:spcPts val="500"/>
-              </a:spcBef>
-              <a:buFont typeface="Arial" panose="020B0604020202020204" pitchFamily="34" charset="0"/>
-              <a:buChar char="•"/>
-              <a:defRPr sz="1800" kern="1200">
-                <a:solidFill>
-                  <a:schemeClr val="tx1"/>
-                </a:solidFill>
-                <a:latin typeface="+mn-lt"/>
-                <a:ea typeface="+mn-ea"/>
-                <a:cs typeface="+mn-cs"/>
-              </a:defRPr>
-            </a:lvl8pPr>
-            <a:lvl9pPr marL="3886200" indent="-228600" algn="l" defTabSz="914400" rtl="0" eaLnBrk="1" latinLnBrk="0" hangingPunct="1">
-              <a:lnSpc>
-                <a:spcPct val="90000"/>
-              </a:lnSpc>
-              <a:spcBef>
-                <a:spcPts val="500"/>
-              </a:spcBef>
-              <a:buFont typeface="Arial" panose="020B0604020202020204" pitchFamily="34" charset="0"/>
-              <a:buChar char="•"/>
-              <a:defRPr sz="1800" kern="1200">
-                <a:solidFill>
-                  <a:schemeClr val="tx1"/>
-                </a:solidFill>
-                <a:latin typeface="+mn-lt"/>
-                <a:ea typeface="+mn-ea"/>
-                <a:cs typeface="+mn-cs"/>
-              </a:defRPr>
-            </a:lvl9pPr>
-          </a:lstStyle>
-          <a:p>
-            <a:r>
-              <a:rPr lang="en-US"/>
-              <a:t>Centene</a:t>
-            </a:r>
-            <a:endParaRPr lang="es-MX"/>
-          </a:p>
-        </p:txBody>
-      </p:sp>
-      <p:sp>
-        <p:nvSpPr>
-          <p:cNvPr id="9" name="Text Placeholder 4">
-            <a:extLst>
-              <a:ext uri="{FF2B5EF4-FFF2-40B4-BE49-F238E27FC236}">
-                <a16:creationId xmlns:a16="http://schemas.microsoft.com/office/drawing/2014/main" id="{88559124-589A-C73D-4B82-C986B15BEB0F}"/>
-              </a:ext>
-            </a:extLst>
-          </p:cNvPr>
-          <p:cNvSpPr txBox="1">
-            <a:spLocks/>
-          </p:cNvSpPr>
-          <p:nvPr/>
-        </p:nvSpPr>
-        <p:spPr>
-          <a:xfrm>
-            <a:off x="658317" y="5532867"/>
-            <a:ext cx="2743200" cy="415925"/>
-          </a:xfrm>
-          <a:prstGeom prst="rect">
-            <a:avLst/>
-          </a:prstGeom>
-        </p:spPr>
-        <p:txBody>
-          <a:bodyPr anchor="ctr"/>
-          <a:lstStyle>
-            <a:lvl1pPr marL="0" indent="0" algn="l" defTabSz="914400" rtl="0" eaLnBrk="1" latinLnBrk="0" hangingPunct="1">
-              <a:lnSpc>
-                <a:spcPct val="90000"/>
-              </a:lnSpc>
-              <a:spcBef>
-                <a:spcPts val="1000"/>
-              </a:spcBef>
-              <a:buFont typeface="Arial" panose="020B0604020202020204" pitchFamily="34" charset="0"/>
-              <a:buNone/>
-              <a:defRPr sz="1800" b="1" kern="1200">
-                <a:solidFill>
-                  <a:schemeClr val="bg2"/>
-                </a:solidFill>
-                <a:latin typeface="+mn-lt"/>
-                <a:ea typeface="+mn-ea"/>
-                <a:cs typeface="+mn-cs"/>
-              </a:defRPr>
-            </a:lvl1pPr>
-            <a:lvl2pPr marL="685800" indent="-228600" algn="l" defTabSz="914400" rtl="0" eaLnBrk="1" latinLnBrk="0" hangingPunct="1">
-              <a:lnSpc>
-                <a:spcPct val="90000"/>
-              </a:lnSpc>
-              <a:spcBef>
-                <a:spcPts val="500"/>
-              </a:spcBef>
-              <a:buFont typeface="Arial" panose="020B0604020202020204" pitchFamily="34" charset="0"/>
-              <a:buChar char="•"/>
-              <a:defRPr sz="2400" kern="1200">
-                <a:solidFill>
-                  <a:schemeClr val="tx1"/>
-                </a:solidFill>
-                <a:latin typeface="+mn-lt"/>
-                <a:ea typeface="+mn-ea"/>
-                <a:cs typeface="+mn-cs"/>
-              </a:defRPr>
-            </a:lvl2pPr>
-            <a:lvl3pPr marL="1143000" indent="-228600" algn="l" defTabSz="914400" rtl="0" eaLnBrk="1" latinLnBrk="0" hangingPunct="1">
-              <a:lnSpc>
-                <a:spcPct val="90000"/>
-              </a:lnSpc>
-              <a:spcBef>
-                <a:spcPts val="500"/>
-              </a:spcBef>
-              <a:buFont typeface="Arial" panose="020B0604020202020204" pitchFamily="34" charset="0"/>
-              <a:buChar char="•"/>
-              <a:defRPr sz="2000" kern="1200">
-                <a:solidFill>
-                  <a:schemeClr val="tx1"/>
-                </a:solidFill>
-                <a:latin typeface="+mn-lt"/>
-                <a:ea typeface="+mn-ea"/>
-                <a:cs typeface="+mn-cs"/>
-              </a:defRPr>
-            </a:lvl3pPr>
-            <a:lvl4pPr marL="1600200" indent="-228600" algn="l" defTabSz="914400" rtl="0" eaLnBrk="1" latinLnBrk="0" hangingPunct="1">
-              <a:lnSpc>
-                <a:spcPct val="90000"/>
-              </a:lnSpc>
-              <a:spcBef>
-                <a:spcPts val="500"/>
-              </a:spcBef>
-              <a:buFont typeface="Arial" panose="020B0604020202020204" pitchFamily="34" charset="0"/>
-              <a:buChar char="•"/>
-              <a:defRPr sz="1800" kern="1200">
-                <a:solidFill>
-                  <a:schemeClr val="tx1"/>
-                </a:solidFill>
-                <a:latin typeface="+mn-lt"/>
-                <a:ea typeface="+mn-ea"/>
-                <a:cs typeface="+mn-cs"/>
-              </a:defRPr>
-            </a:lvl4pPr>
-            <a:lvl5pPr marL="2057400" indent="-228600" algn="l" defTabSz="914400" rtl="0" eaLnBrk="1" latinLnBrk="0" hangingPunct="1">
-              <a:lnSpc>
-                <a:spcPct val="90000"/>
-              </a:lnSpc>
-              <a:spcBef>
-                <a:spcPts val="500"/>
-              </a:spcBef>
-              <a:buFont typeface="Arial" panose="020B0604020202020204" pitchFamily="34" charset="0"/>
-              <a:buChar char="•"/>
-              <a:defRPr sz="1800" kern="1200">
-                <a:solidFill>
-                  <a:schemeClr val="tx1"/>
-                </a:solidFill>
-                <a:latin typeface="+mn-lt"/>
-                <a:ea typeface="+mn-ea"/>
-                <a:cs typeface="+mn-cs"/>
-              </a:defRPr>
-            </a:lvl5pPr>
-            <a:lvl6pPr marL="2514600" indent="-228600" algn="l" defTabSz="914400" rtl="0" eaLnBrk="1" latinLnBrk="0" hangingPunct="1">
-              <a:lnSpc>
-                <a:spcPct val="90000"/>
-              </a:lnSpc>
-              <a:spcBef>
-                <a:spcPts val="500"/>
-              </a:spcBef>
-              <a:buFont typeface="Arial" panose="020B0604020202020204" pitchFamily="34" charset="0"/>
-              <a:buChar char="•"/>
-              <a:defRPr sz="1800" kern="1200">
-                <a:solidFill>
-                  <a:schemeClr val="tx1"/>
-                </a:solidFill>
-                <a:latin typeface="+mn-lt"/>
-                <a:ea typeface="+mn-ea"/>
-                <a:cs typeface="+mn-cs"/>
-              </a:defRPr>
-            </a:lvl6pPr>
-            <a:lvl7pPr marL="2971800" indent="-228600" algn="l" defTabSz="914400" rtl="0" eaLnBrk="1" latinLnBrk="0" hangingPunct="1">
-              <a:lnSpc>
-                <a:spcPct val="90000"/>
-              </a:lnSpc>
-              <a:spcBef>
-                <a:spcPts val="500"/>
-              </a:spcBef>
-              <a:buFont typeface="Arial" panose="020B0604020202020204" pitchFamily="34" charset="0"/>
-              <a:buChar char="•"/>
-              <a:defRPr sz="1800" kern="1200">
-                <a:solidFill>
-                  <a:schemeClr val="tx1"/>
-                </a:solidFill>
-                <a:latin typeface="+mn-lt"/>
-                <a:ea typeface="+mn-ea"/>
-                <a:cs typeface="+mn-cs"/>
-              </a:defRPr>
-            </a:lvl7pPr>
-            <a:lvl8pPr marL="3429000" indent="-228600" algn="l" defTabSz="914400" rtl="0" eaLnBrk="1" latinLnBrk="0" hangingPunct="1">
-              <a:lnSpc>
-                <a:spcPct val="90000"/>
-              </a:lnSpc>
-              <a:spcBef>
-                <a:spcPts val="500"/>
-              </a:spcBef>
-              <a:buFont typeface="Arial" panose="020B0604020202020204" pitchFamily="34" charset="0"/>
-              <a:buChar char="•"/>
-              <a:defRPr sz="1800" kern="1200">
-                <a:solidFill>
-                  <a:schemeClr val="tx1"/>
-                </a:solidFill>
-                <a:latin typeface="+mn-lt"/>
-                <a:ea typeface="+mn-ea"/>
-                <a:cs typeface="+mn-cs"/>
-              </a:defRPr>
-            </a:lvl8pPr>
-            <a:lvl9pPr marL="3886200" indent="-228600" algn="l" defTabSz="914400" rtl="0" eaLnBrk="1" latinLnBrk="0" hangingPunct="1">
-              <a:lnSpc>
-                <a:spcPct val="90000"/>
-              </a:lnSpc>
-              <a:spcBef>
-                <a:spcPts val="500"/>
-              </a:spcBef>
-              <a:buFont typeface="Arial" panose="020B0604020202020204" pitchFamily="34" charset="0"/>
-              <a:buChar char="•"/>
-              <a:defRPr sz="1800" kern="1200">
-                <a:solidFill>
-                  <a:schemeClr val="tx1"/>
-                </a:solidFill>
-                <a:latin typeface="+mn-lt"/>
-                <a:ea typeface="+mn-ea"/>
-                <a:cs typeface="+mn-cs"/>
-              </a:defRPr>
-            </a:lvl9pPr>
-          </a:lstStyle>
-          <a:p>
-            <a:endParaRPr lang="es-MX" b="0" i="1"/>
-          </a:p>
-        </p:txBody>
-      </p:sp>
-      <p:pic>
-        <p:nvPicPr>
-          <p:cNvPr id="3" name="Picture 2" descr="A person wearing glasses and a red shirt&#10;&#10;Description automatically generated">
-            <a:extLst>
-              <a:ext uri="{FF2B5EF4-FFF2-40B4-BE49-F238E27FC236}">
-                <a16:creationId xmlns:a16="http://schemas.microsoft.com/office/drawing/2014/main" id="{BF7EE5EC-2FF9-FA67-677E-7E8F6AD05144}"/>
-              </a:ext>
-            </a:extLst>
-          </p:cNvPr>
-          <p:cNvPicPr>
-            <a:picLocks noChangeAspect="1"/>
-          </p:cNvPicPr>
-          <p:nvPr/>
-        </p:nvPicPr>
-        <p:blipFill>
-          <a:blip r:embed="rId2" cstate="screen">
-            <a:extLst>
-              <a:ext uri="{28A0092B-C50C-407E-A947-70E740481C1C}">
-                <a14:useLocalDpi xmlns:a14="http://schemas.microsoft.com/office/drawing/2010/main" val="0"/>
-              </a:ext>
-            </a:extLst>
-          </a:blip>
-          <a:stretch>
-            <a:fillRect/>
-          </a:stretch>
-        </p:blipFill>
-        <p:spPr>
-          <a:xfrm>
-            <a:off x="7758333" y="420404"/>
-            <a:ext cx="2171114" cy="3256671"/>
-          </a:xfrm>
-          <a:prstGeom prst="rect">
-            <a:avLst/>
-          </a:prstGeom>
-          <a:ln>
-            <a:noFill/>
-          </a:ln>
-          <a:effectLst>
-            <a:softEdge rad="112500"/>
-          </a:effectLst>
-        </p:spPr>
-      </p:pic>
-    </p:spTree>
-    <p:extLst>
-      <p:ext uri="{BB962C8B-B14F-4D97-AF65-F5344CB8AC3E}">
-        <p14:creationId xmlns:p14="http://schemas.microsoft.com/office/powerpoint/2010/main" val="4238320784"/>
-      </p:ext>
-    </p:extLst>
-  </p:cSld>
-  <p:clrMapOvr>
-    <a:masterClrMapping/>
-  </p:clrMapOvr>
-  <mc:AlternateContent xmlns:mc="http://schemas.openxmlformats.org/markup-compatibility/2006" xmlns:p14="http://schemas.microsoft.com/office/powerpoint/2010/main">
-    <mc:Choice Requires="p14">
-      <p:transition spd="med" p14:dur="700">
-        <p:fade/>
-      </p:transition>
-    </mc:Choice>
-    <mc:Fallback xmlns="">
-      <p:transition spd="med">
-        <p:fade/>
-      </p:transition>
-    </mc:Fallback>
-  </mc:AlternateContent>
-</p:sld>
-</file>
-
-<file path=ppt/slides/slide20.xml><?xml version="1.0" encoding="utf-8"?>
-<p:sld xmlns:a="http://schemas.openxmlformats.org/drawingml/2006/main" xmlns:r="http://schemas.openxmlformats.org/officeDocument/2006/relationships" xmlns:p="http://schemas.openxmlformats.org/presentationml/2006/main">
-  <p:cSld>
-    <p:spTree>
-      <p:nvGrpSpPr>
-        <p:cNvPr id="1" name=""/>
-        <p:cNvGrpSpPr/>
-        <p:nvPr/>
-      </p:nvGrpSpPr>
-      <p:grpSpPr>
-        <a:xfrm>
-          <a:off x="0" y="0"/>
-          <a:ext cx="0" cy="0"/>
-          <a:chOff x="0" y="0"/>
-          <a:chExt cx="0" cy="0"/>
-        </a:xfrm>
-      </p:grpSpPr>
-      <p:pic>
-        <p:nvPicPr>
-          <p:cNvPr id="17" name="Picture 16" descr="A screenshot of a web page&#10;&#10;Description automatically generated">
-            <a:extLst>
-              <a:ext uri="{FF2B5EF4-FFF2-40B4-BE49-F238E27FC236}">
-                <a16:creationId xmlns:a16="http://schemas.microsoft.com/office/drawing/2014/main" id="{87904B32-A218-CB5F-2164-ACEF33C02473}"/>
-              </a:ext>
-            </a:extLst>
-          </p:cNvPr>
-          <p:cNvPicPr>
-            <a:picLocks noChangeAspect="1"/>
-          </p:cNvPicPr>
-          <p:nvPr/>
-        </p:nvPicPr>
-        <p:blipFill>
-          <a:blip r:embed="rId2">
-            <a:extLst>
-              <a:ext uri="{28A0092B-C50C-407E-A947-70E740481C1C}">
-                <a14:useLocalDpi xmlns:a14="http://schemas.microsoft.com/office/drawing/2010/main" val="0"/>
-              </a:ext>
-            </a:extLst>
-          </a:blip>
-          <a:stretch>
-            <a:fillRect/>
-          </a:stretch>
-        </p:blipFill>
-        <p:spPr>
-          <a:xfrm>
-            <a:off x="6476999" y="1075121"/>
-            <a:ext cx="4876800" cy="5285242"/>
-          </a:xfrm>
-          <a:prstGeom prst="rect">
-            <a:avLst/>
-          </a:prstGeom>
-        </p:spPr>
-      </p:pic>
-      <p:pic>
-        <p:nvPicPr>
-          <p:cNvPr id="19" name="Picture 18" descr="A screenshot of a computer&#10;&#10;Description automatically generated">
-            <a:extLst>
-              <a:ext uri="{FF2B5EF4-FFF2-40B4-BE49-F238E27FC236}">
-                <a16:creationId xmlns:a16="http://schemas.microsoft.com/office/drawing/2014/main" id="{5D0A8901-3B77-CC83-444D-12AE936E1BAB}"/>
-              </a:ext>
-            </a:extLst>
-          </p:cNvPr>
-          <p:cNvPicPr>
-            <a:picLocks noChangeAspect="1"/>
-          </p:cNvPicPr>
-          <p:nvPr/>
-        </p:nvPicPr>
-        <p:blipFill>
-          <a:blip r:embed="rId3">
-            <a:extLst>
-              <a:ext uri="{28A0092B-C50C-407E-A947-70E740481C1C}">
-                <a14:useLocalDpi xmlns:a14="http://schemas.microsoft.com/office/drawing/2010/main" val="0"/>
-              </a:ext>
-            </a:extLst>
-          </a:blip>
-          <a:stretch>
-            <a:fillRect/>
-          </a:stretch>
-        </p:blipFill>
-        <p:spPr>
-          <a:xfrm>
-            <a:off x="838201" y="1075121"/>
-            <a:ext cx="4876800" cy="5320893"/>
-          </a:xfrm>
-          <a:prstGeom prst="rect">
-            <a:avLst/>
-          </a:prstGeom>
-        </p:spPr>
-      </p:pic>
-      <p:sp>
-        <p:nvSpPr>
-          <p:cNvPr id="21" name="Title 20">
-            <a:extLst>
-              <a:ext uri="{FF2B5EF4-FFF2-40B4-BE49-F238E27FC236}">
-                <a16:creationId xmlns:a16="http://schemas.microsoft.com/office/drawing/2014/main" id="{97D548D6-3635-BDA1-FC01-2252B236E27B}"/>
-              </a:ext>
-            </a:extLst>
-          </p:cNvPr>
-          <p:cNvSpPr>
-            <a:spLocks noGrp="1"/>
-          </p:cNvSpPr>
-          <p:nvPr>
-            <p:ph type="title"/>
-          </p:nvPr>
-        </p:nvSpPr>
-        <p:spPr>
-          <a:xfrm>
-            <a:off x="838201" y="461986"/>
-            <a:ext cx="10515598" cy="455271"/>
-          </a:xfrm>
-        </p:spPr>
-        <p:txBody>
-          <a:bodyPr/>
-          <a:lstStyle/>
-          <a:p>
-            <a:pPr algn="ctr"/>
-            <a:r>
-              <a:rPr lang="en-US"/>
-              <a:t>Presenter                                                  Audience</a:t>
-            </a:r>
-            <a:endParaRPr lang="es-MX"/>
-          </a:p>
-        </p:txBody>
-      </p:sp>
-    </p:spTree>
-    <p:extLst>
-      <p:ext uri="{BB962C8B-B14F-4D97-AF65-F5344CB8AC3E}">
-        <p14:creationId xmlns:p14="http://schemas.microsoft.com/office/powerpoint/2010/main" val="3918154481"/>
-      </p:ext>
-    </p:extLst>
-  </p:cSld>
-  <p:clrMapOvr>
-    <a:masterClrMapping/>
-  </p:clrMapOvr>
-  <mc:AlternateContent xmlns:mc="http://schemas.openxmlformats.org/markup-compatibility/2006" xmlns:p14="http://schemas.microsoft.com/office/powerpoint/2010/main">
-    <mc:Choice Requires="p14">
-      <p:transition spd="med" p14:dur="700">
-        <p:fade/>
-      </p:transition>
-    </mc:Choice>
-    <mc:Fallback xmlns="">
-      <p:transition spd="med">
-        <p:fade/>
-      </p:transition>
-    </mc:Fallback>
-  </mc:AlternateContent>
-</p:sld>
-</file>
-
-<file path=ppt/slides/slide3.xml><?xml version="1.0" encoding="utf-8"?>
-<p:sld xmlns:a="http://schemas.openxmlformats.org/drawingml/2006/main" xmlns:r="http://schemas.openxmlformats.org/officeDocument/2006/relationships" xmlns:p="http://schemas.openxmlformats.org/presentationml/2006/main">
-  <p:cSld>
-    <p:spTree>
-      <p:nvGrpSpPr>
-        <p:cNvPr id="1" name=""/>
-        <p:cNvGrpSpPr/>
-        <p:nvPr/>
-      </p:nvGrpSpPr>
-      <p:grpSpPr>
-        <a:xfrm>
-          <a:off x="0" y="0"/>
-          <a:ext cx="0" cy="0"/>
-          <a:chOff x="0" y="0"/>
-          <a:chExt cx="0" cy="0"/>
-        </a:xfrm>
-      </p:grpSpPr>
-      <p:pic>
-        <p:nvPicPr>
-          <p:cNvPr id="5" name="Content Placeholder 4" descr="Teacher with solid fill">
-            <a:extLst>
-              <a:ext uri="{FF2B5EF4-FFF2-40B4-BE49-F238E27FC236}">
-                <a16:creationId xmlns:a16="http://schemas.microsoft.com/office/drawing/2014/main" id="{BE8ECC45-F133-3C95-BC23-7B7BBD0D013E}"/>
-              </a:ext>
-            </a:extLst>
-          </p:cNvPr>
-          <p:cNvPicPr>
-            <a:picLocks noGrp="1" noChangeAspect="1"/>
-          </p:cNvPicPr>
-          <p:nvPr>
-            <p:ph sz="quarter" idx="14"/>
-          </p:nvPr>
-        </p:nvPicPr>
-        <p:blipFill>
-          <a:blip r:embed="rId2">
-            <a:extLst>
-              <a:ext uri="{96DAC541-7B7A-43D3-8B79-37D633B846F1}">
-                <asvg:svgBlip xmlns:asvg="http://schemas.microsoft.com/office/drawing/2016/SVG/main" r:embed="rId3"/>
-              </a:ext>
-            </a:extLst>
-          </a:blip>
-          <a:stretch>
-            <a:fillRect/>
-          </a:stretch>
-        </p:blipFill>
-        <p:spPr>
-          <a:xfrm>
-            <a:off x="6197600" y="1118333"/>
-            <a:ext cx="5156200" cy="5156200"/>
-          </a:xfrm>
-        </p:spPr>
-      </p:pic>
-      <p:sp>
-        <p:nvSpPr>
-          <p:cNvPr id="3" name="Title 2">
-            <a:extLst>
-              <a:ext uri="{FF2B5EF4-FFF2-40B4-BE49-F238E27FC236}">
-                <a16:creationId xmlns:a16="http://schemas.microsoft.com/office/drawing/2014/main" id="{498D1D7D-94DA-49FD-852A-7F145840B2C8}"/>
-              </a:ext>
-            </a:extLst>
-          </p:cNvPr>
-          <p:cNvSpPr>
-            <a:spLocks noGrp="1"/>
-          </p:cNvSpPr>
-          <p:nvPr>
-            <p:ph type="title"/>
-          </p:nvPr>
-        </p:nvSpPr>
-        <p:spPr>
-          <a:xfrm>
-            <a:off x="838200" y="391250"/>
-            <a:ext cx="10515600" cy="455271"/>
-          </a:xfrm>
-        </p:spPr>
-        <p:txBody>
-          <a:bodyPr>
-            <a:normAutofit/>
-          </a:bodyPr>
-          <a:lstStyle/>
-          <a:p>
-            <a:r>
-              <a:rPr lang="en-US"/>
-              <a:t>Agenda</a:t>
-            </a:r>
-          </a:p>
-        </p:txBody>
-      </p:sp>
-      <p:sp>
-        <p:nvSpPr>
-          <p:cNvPr id="2" name="Content Placeholder 1">
-            <a:extLst>
-              <a:ext uri="{FF2B5EF4-FFF2-40B4-BE49-F238E27FC236}">
-                <a16:creationId xmlns:a16="http://schemas.microsoft.com/office/drawing/2014/main" id="{027B6E15-4712-4BFF-BC90-A900D3D00E0F}"/>
-              </a:ext>
-            </a:extLst>
-          </p:cNvPr>
-          <p:cNvSpPr>
-            <a:spLocks noGrp="1"/>
-          </p:cNvSpPr>
-          <p:nvPr>
-            <p:ph sz="quarter" idx="12"/>
-          </p:nvPr>
-        </p:nvSpPr>
-        <p:spPr>
-          <a:xfrm>
-            <a:off x="838200" y="1063786"/>
-            <a:ext cx="5156200" cy="5265297"/>
-          </a:xfrm>
-        </p:spPr>
-        <p:txBody>
-          <a:bodyPr>
-            <a:normAutofit/>
-          </a:bodyPr>
-          <a:lstStyle/>
-          <a:p>
-            <a:pPr marL="285750" indent="-285750">
-              <a:buFont typeface="Wingdings" panose="05000000000000000000" pitchFamily="2" charset="2"/>
-              <a:buChar char="§"/>
-            </a:pPr>
-            <a:r>
-              <a:rPr lang="en-US"/>
-              <a:t>What is Git?</a:t>
-            </a:r>
-          </a:p>
-          <a:p>
-            <a:pPr marL="285750" indent="-285750">
-              <a:buFont typeface="Wingdings" panose="05000000000000000000" pitchFamily="2" charset="2"/>
-              <a:buChar char="§"/>
-            </a:pPr>
-            <a:r>
-              <a:rPr lang="en-US"/>
-              <a:t>States of a file</a:t>
-            </a:r>
-          </a:p>
-          <a:p>
-            <a:pPr marL="285750" indent="-285750">
-              <a:buFont typeface="Wingdings" panose="05000000000000000000" pitchFamily="2" charset="2"/>
-              <a:buChar char="§"/>
-            </a:pPr>
-            <a:r>
-              <a:rPr lang="en-US"/>
-              <a:t>Basic Commands</a:t>
-            </a:r>
-          </a:p>
-          <a:p>
-            <a:pPr marL="285750" indent="-285750">
-              <a:buFont typeface="Wingdings" panose="05000000000000000000" pitchFamily="2" charset="2"/>
-              <a:buChar char="§"/>
-            </a:pPr>
-            <a:r>
-              <a:rPr lang="en-US"/>
-              <a:t>Git Flow</a:t>
-            </a:r>
-          </a:p>
-          <a:p>
-            <a:pPr marL="285750" indent="-285750">
-              <a:buFont typeface="Wingdings" panose="05000000000000000000" pitchFamily="2" charset="2"/>
-              <a:buChar char="§"/>
-            </a:pPr>
-            <a:r>
-              <a:rPr lang="en-US"/>
-              <a:t>Main branch</a:t>
-            </a:r>
-          </a:p>
-          <a:p>
-            <a:pPr marL="285750" indent="-285750">
-              <a:buFont typeface="Wingdings" panose="05000000000000000000" pitchFamily="2" charset="2"/>
-              <a:buChar char="§"/>
-            </a:pPr>
-            <a:r>
-              <a:rPr lang="en-US"/>
-              <a:t>Pull Request</a:t>
-            </a:r>
-          </a:p>
-          <a:p>
-            <a:pPr marL="285750" indent="-285750">
-              <a:buFont typeface="Wingdings" panose="05000000000000000000" pitchFamily="2" charset="2"/>
-              <a:buChar char="§"/>
-            </a:pPr>
-            <a:r>
-              <a:rPr lang="en-US"/>
-              <a:t>Git Rebase</a:t>
-            </a:r>
-          </a:p>
-          <a:p>
-            <a:pPr marL="285750" indent="-285750">
-              <a:buFont typeface="Wingdings" panose="05000000000000000000" pitchFamily="2" charset="2"/>
-              <a:buChar char="§"/>
-            </a:pPr>
-            <a:r>
-              <a:rPr lang="en-US"/>
-              <a:t>Git Merge</a:t>
-            </a:r>
-          </a:p>
-          <a:p>
-            <a:pPr marL="285750" indent="-285750">
-              <a:buFont typeface="Wingdings" panose="05000000000000000000" pitchFamily="2" charset="2"/>
-              <a:buChar char="§"/>
-            </a:pPr>
-            <a:r>
-              <a:rPr lang="en-US"/>
-              <a:t>Conflicts</a:t>
-            </a:r>
-          </a:p>
-          <a:p>
-            <a:pPr marL="285750" indent="-285750">
-              <a:buFont typeface="Wingdings" panose="05000000000000000000" pitchFamily="2" charset="2"/>
-              <a:buChar char="§"/>
-            </a:pPr>
-            <a:r>
-              <a:rPr lang="en-US"/>
-              <a:t>Git Hosting providers</a:t>
-            </a:r>
-          </a:p>
-        </p:txBody>
-      </p:sp>
-      <p:sp>
-        <p:nvSpPr>
-          <p:cNvPr id="6" name="TextBox 5">
-            <a:extLst>
-              <a:ext uri="{FF2B5EF4-FFF2-40B4-BE49-F238E27FC236}">
-                <a16:creationId xmlns:a16="http://schemas.microsoft.com/office/drawing/2014/main" id="{1F271E1A-AD7B-54D2-F63C-B5A03440E335}"/>
-              </a:ext>
-            </a:extLst>
-          </p:cNvPr>
-          <p:cNvSpPr txBox="1"/>
-          <p:nvPr/>
-        </p:nvSpPr>
-        <p:spPr>
-          <a:xfrm>
-            <a:off x="3056206" y="3247851"/>
-            <a:ext cx="6112412" cy="369332"/>
-          </a:xfrm>
-          <a:prstGeom prst="rect">
-            <a:avLst/>
-          </a:prstGeom>
-          <a:noFill/>
-        </p:spPr>
-        <p:txBody>
-          <a:bodyPr wrap="square">
-            <a:spAutoFit/>
-          </a:bodyPr>
-          <a:lstStyle/>
-          <a:p>
-            <a:r>
-              <a:rPr lang="en-US" b="0">
-                <a:effectLst/>
-              </a:rPr>
-              <a:t> </a:t>
-            </a:r>
-            <a:endParaRPr lang="en-US"/>
-          </a:p>
-        </p:txBody>
-      </p:sp>
-    </p:spTree>
-    <p:extLst>
-      <p:ext uri="{BB962C8B-B14F-4D97-AF65-F5344CB8AC3E}">
-        <p14:creationId xmlns:p14="http://schemas.microsoft.com/office/powerpoint/2010/main" val="569822374"/>
-      </p:ext>
-    </p:extLst>
-  </p:cSld>
-  <p:clrMapOvr>
-    <a:masterClrMapping/>
-  </p:clrMapOvr>
-  <mc:AlternateContent xmlns:mc="http://schemas.openxmlformats.org/markup-compatibility/2006" xmlns:p14="http://schemas.microsoft.com/office/powerpoint/2010/main">
-    <mc:Choice Requires="p14">
-      <p:transition spd="med" p14:dur="700">
-        <p:fade/>
-      </p:transition>
-    </mc:Choice>
-    <mc:Fallback xmlns="">
-      <p:transition spd="med">
-        <p:fade/>
-      </p:transition>
-    </mc:Fallback>
-  </mc:AlternateContent>
-</p:sld>
-</file>
-
-<file path=ppt/slides/slide4.xml><?xml version="1.0" encoding="utf-8"?>
 <p:sld xmlns:a="http://schemas.openxmlformats.org/drawingml/2006/main" xmlns:r="http://schemas.openxmlformats.org/officeDocument/2006/relationships" xmlns:p="http://schemas.openxmlformats.org/presentationml/2006/main">
   <p:cSld>
     <p:spTree>
@@ -23473,7 +21987,7 @@
 </p:sld>
 </file>
 
-<file path=ppt/slides/slide5.xml><?xml version="1.0" encoding="utf-8"?>
+<file path=ppt/slides/slide3.xml><?xml version="1.0" encoding="utf-8"?>
 <p:sld xmlns:a="http://schemas.openxmlformats.org/drawingml/2006/main" xmlns:r="http://schemas.openxmlformats.org/officeDocument/2006/relationships" xmlns:p="http://schemas.openxmlformats.org/presentationml/2006/main">
   <p:cSld>
     <p:spTree>
@@ -23623,7 +22137,7 @@
 </p:sld>
 </file>
 
-<file path=ppt/slides/slide6.xml><?xml version="1.0" encoding="utf-8"?>
+<file path=ppt/slides/slide4.xml><?xml version="1.0" encoding="utf-8"?>
 <p:sld xmlns:a="http://schemas.openxmlformats.org/drawingml/2006/main" xmlns:r="http://schemas.openxmlformats.org/officeDocument/2006/relationships" xmlns:p="http://schemas.openxmlformats.org/presentationml/2006/main">
   <p:cSld>
     <p:spTree>
@@ -23741,7 +22255,7 @@
 </p:sld>
 </file>
 
-<file path=ppt/slides/slide7.xml><?xml version="1.0" encoding="utf-8"?>
+<file path=ppt/slides/slide5.xml><?xml version="1.0" encoding="utf-8"?>
 <p:sld xmlns:a="http://schemas.openxmlformats.org/drawingml/2006/main" xmlns:r="http://schemas.openxmlformats.org/officeDocument/2006/relationships" xmlns:p="http://schemas.openxmlformats.org/presentationml/2006/main">
   <p:cSld>
     <p:spTree>
@@ -23869,7 +22383,7 @@
 </p:sld>
 </file>
 
-<file path=ppt/slides/slide8.xml><?xml version="1.0" encoding="utf-8"?>
+<file path=ppt/slides/slide6.xml><?xml version="1.0" encoding="utf-8"?>
 <p:sld xmlns:a="http://schemas.openxmlformats.org/drawingml/2006/main" xmlns:r="http://schemas.openxmlformats.org/officeDocument/2006/relationships" xmlns:p="http://schemas.openxmlformats.org/presentationml/2006/main">
   <p:cSld>
     <p:spTree>
@@ -24022,7 +22536,7 @@
 </p:sld>
 </file>
 
-<file path=ppt/slides/slide9.xml><?xml version="1.0" encoding="utf-8"?>
+<file path=ppt/slides/slide7.xml><?xml version="1.0" encoding="utf-8"?>
 <p:sld xmlns:a="http://schemas.openxmlformats.org/drawingml/2006/main" xmlns:r="http://schemas.openxmlformats.org/officeDocument/2006/relationships" xmlns:p="http://schemas.openxmlformats.org/presentationml/2006/main">
   <p:cSld>
     <p:spTree>
@@ -24148,6 +22662,257 @@
           </a:p>
         </p:txBody>
       </p:sp>
+    </p:spTree>
+  </p:cSld>
+  <p:clrMapOvr>
+    <a:masterClrMapping/>
+  </p:clrMapOvr>
+</p:sld>
+</file>
+
+<file path=ppt/slides/slide8.xml><?xml version="1.0" encoding="utf-8"?>
+<p:sld xmlns:a="http://schemas.openxmlformats.org/drawingml/2006/main" xmlns:r="http://schemas.openxmlformats.org/officeDocument/2006/relationships" xmlns:p="http://schemas.openxmlformats.org/presentationml/2006/main">
+  <p:cSld>
+    <p:spTree>
+      <p:nvGrpSpPr>
+        <p:cNvPr id="1" name="Shape 311"/>
+        <p:cNvGrpSpPr/>
+        <p:nvPr/>
+      </p:nvGrpSpPr>
+      <p:grpSpPr>
+        <a:xfrm>
+          <a:off x="0" y="0"/>
+          <a:ext cx="0" cy="0"/>
+          <a:chOff x="0" y="0"/>
+          <a:chExt cx="0" cy="0"/>
+        </a:xfrm>
+      </p:grpSpPr>
+      <p:sp>
+        <p:nvSpPr>
+          <p:cNvPr id="312" name="Google Shape;312;p19"/>
+          <p:cNvSpPr txBox="1">
+            <a:spLocks noGrp="1"/>
+          </p:cNvSpPr>
+          <p:nvPr>
+            <p:ph type="title"/>
+          </p:nvPr>
+        </p:nvSpPr>
+        <p:spPr>
+          <a:xfrm>
+            <a:off x="1738400" y="798100"/>
+            <a:ext cx="9374000" cy="1332400"/>
+          </a:xfrm>
+          <a:prstGeom prst="rect">
+            <a:avLst/>
+          </a:prstGeom>
+        </p:spPr>
+        <p:txBody>
+          <a:bodyPr spcFirstLastPara="1" wrap="square" lIns="121900" tIns="121900" rIns="121900" bIns="121900" anchor="t" anchorCtr="0">
+            <a:normAutofit/>
+          </a:bodyPr>
+          <a:lstStyle/>
+          <a:p>
+            <a:r>
+              <a:rPr lang="es-419"/>
+              <a:t>Main branch </a:t>
+            </a:r>
+            <a:r>
+              <a:rPr lang="es-419" sz="2696"/>
+              <a:t>(Don’t touch it unless you know what are you doing)</a:t>
+            </a:r>
+            <a:endParaRPr sz="2696"/>
+          </a:p>
+        </p:txBody>
+      </p:sp>
+      <p:sp>
+        <p:nvSpPr>
+          <p:cNvPr id="313" name="Google Shape;313;p19"/>
+          <p:cNvSpPr txBox="1">
+            <a:spLocks noGrp="1"/>
+          </p:cNvSpPr>
+          <p:nvPr>
+            <p:ph type="body" idx="1"/>
+          </p:nvPr>
+        </p:nvSpPr>
+        <p:spPr>
+          <a:xfrm>
+            <a:off x="1738400" y="2653400"/>
+            <a:ext cx="9374000" cy="3388800"/>
+          </a:xfrm>
+          <a:prstGeom prst="rect">
+            <a:avLst/>
+          </a:prstGeom>
+        </p:spPr>
+        <p:txBody>
+          <a:bodyPr spcFirstLastPara="1" wrap="square" lIns="121900" tIns="121900" rIns="121900" bIns="121900" anchor="t" anchorCtr="0">
+            <a:normAutofit/>
+          </a:bodyPr>
+          <a:lstStyle/>
+          <a:p>
+            <a:pPr marL="0" indent="0">
+              <a:spcAft>
+                <a:spcPts val="1600"/>
+              </a:spcAft>
+              <a:buNone/>
+            </a:pPr>
+            <a:r>
+              <a:rPr lang="es-419"/>
+              <a:t>by convention this branch is used for production deployments, should be stable and before any merging, all the changes should be properly tested and verified.</a:t>
+            </a:r>
+            <a:endParaRPr/>
+          </a:p>
+        </p:txBody>
+      </p:sp>
+      <p:pic>
+        <p:nvPicPr>
+          <p:cNvPr id="314" name="Google Shape;314;p19"/>
+          <p:cNvPicPr preferRelativeResize="0"/>
+          <p:nvPr/>
+        </p:nvPicPr>
+        <p:blipFill>
+          <a:blip r:embed="rId3">
+            <a:alphaModFix/>
+          </a:blip>
+          <a:stretch>
+            <a:fillRect/>
+          </a:stretch>
+        </p:blipFill>
+        <p:spPr>
+          <a:xfrm>
+            <a:off x="4445391" y="4135902"/>
+            <a:ext cx="3820227" cy="2200097"/>
+          </a:xfrm>
+          <a:prstGeom prst="rect">
+            <a:avLst/>
+          </a:prstGeom>
+          <a:noFill/>
+          <a:ln>
+            <a:noFill/>
+          </a:ln>
+        </p:spPr>
+      </p:pic>
+    </p:spTree>
+  </p:cSld>
+  <p:clrMapOvr>
+    <a:masterClrMapping/>
+  </p:clrMapOvr>
+</p:sld>
+</file>
+
+<file path=ppt/slides/slide9.xml><?xml version="1.0" encoding="utf-8"?>
+<p:sld xmlns:a="http://schemas.openxmlformats.org/drawingml/2006/main" xmlns:r="http://schemas.openxmlformats.org/officeDocument/2006/relationships" xmlns:p="http://schemas.openxmlformats.org/presentationml/2006/main">
+  <p:cSld>
+    <p:spTree>
+      <p:nvGrpSpPr>
+        <p:cNvPr id="1" name="Shape 318"/>
+        <p:cNvGrpSpPr/>
+        <p:nvPr/>
+      </p:nvGrpSpPr>
+      <p:grpSpPr>
+        <a:xfrm>
+          <a:off x="0" y="0"/>
+          <a:ext cx="0" cy="0"/>
+          <a:chOff x="0" y="0"/>
+          <a:chExt cx="0" cy="0"/>
+        </a:xfrm>
+      </p:grpSpPr>
+      <p:sp>
+        <p:nvSpPr>
+          <p:cNvPr id="319" name="Google Shape;319;p20"/>
+          <p:cNvSpPr txBox="1">
+            <a:spLocks noGrp="1"/>
+          </p:cNvSpPr>
+          <p:nvPr>
+            <p:ph type="title"/>
+          </p:nvPr>
+        </p:nvSpPr>
+        <p:spPr>
+          <a:xfrm>
+            <a:off x="1738400" y="798100"/>
+            <a:ext cx="9374000" cy="1332400"/>
+          </a:xfrm>
+          <a:prstGeom prst="rect">
+            <a:avLst/>
+          </a:prstGeom>
+        </p:spPr>
+        <p:txBody>
+          <a:bodyPr spcFirstLastPara="1" wrap="square" lIns="121900" tIns="121900" rIns="121900" bIns="121900" anchor="t" anchorCtr="0">
+            <a:normAutofit/>
+          </a:bodyPr>
+          <a:lstStyle/>
+          <a:p>
+            <a:r>
+              <a:rPr lang="es-419"/>
+              <a:t>Pull Request</a:t>
+            </a:r>
+            <a:endParaRPr/>
+          </a:p>
+        </p:txBody>
+      </p:sp>
+      <p:sp>
+        <p:nvSpPr>
+          <p:cNvPr id="320" name="Google Shape;320;p20"/>
+          <p:cNvSpPr txBox="1">
+            <a:spLocks noGrp="1"/>
+          </p:cNvSpPr>
+          <p:nvPr>
+            <p:ph type="body" idx="1"/>
+          </p:nvPr>
+        </p:nvSpPr>
+        <p:spPr>
+          <a:xfrm>
+            <a:off x="1738400" y="2653400"/>
+            <a:ext cx="9374000" cy="3388800"/>
+          </a:xfrm>
+          <a:prstGeom prst="rect">
+            <a:avLst/>
+          </a:prstGeom>
+        </p:spPr>
+        <p:txBody>
+          <a:bodyPr spcFirstLastPara="1" wrap="square" lIns="121900" tIns="121900" rIns="121900" bIns="121900" anchor="t" anchorCtr="0">
+            <a:normAutofit/>
+          </a:bodyPr>
+          <a:lstStyle/>
+          <a:p>
+            <a:pPr marL="0" indent="0">
+              <a:buNone/>
+            </a:pPr>
+            <a:r>
+              <a:rPr lang="es-419" dirty="0"/>
+              <a:t>Tool used for verifying code changes before passing to a principal branch.</a:t>
+            </a:r>
+            <a:endParaRPr dirty="0"/>
+          </a:p>
+        </p:txBody>
+      </p:sp>
+      <p:pic>
+        <p:nvPicPr>
+          <p:cNvPr id="321" name="Google Shape;321;p20"/>
+          <p:cNvPicPr preferRelativeResize="0"/>
+          <p:nvPr/>
+        </p:nvPicPr>
+        <p:blipFill>
+          <a:blip r:embed="rId3">
+            <a:alphaModFix/>
+          </a:blip>
+          <a:stretch>
+            <a:fillRect/>
+          </a:stretch>
+        </p:blipFill>
+        <p:spPr>
+          <a:xfrm>
+            <a:off x="8147001" y="3703733"/>
+            <a:ext cx="2013500" cy="2582900"/>
+          </a:xfrm>
+          <a:prstGeom prst="rect">
+            <a:avLst/>
+          </a:prstGeom>
+          <a:noFill/>
+          <a:ln>
+            <a:noFill/>
+          </a:ln>
+        </p:spPr>
+      </p:pic>
     </p:spTree>
   </p:cSld>
   <p:clrMapOvr>
@@ -26773,15 +25538,6 @@
 </file>
 
 <file path=customXml/item1.xml><?xml version="1.0" encoding="utf-8"?>
-<?mso-contentType ?>
-<FormTemplates xmlns="http://schemas.microsoft.com/sharepoint/v3/contenttype/forms">
-  <Display>DocumentLibraryForm</Display>
-  <Edit>DocumentLibraryForm</Edit>
-  <New>DocumentLibraryForm</New>
-</FormTemplates>
-</file>
-
-<file path=customXml/item2.xml><?xml version="1.0" encoding="utf-8"?>
 <ct:contentTypeSchema xmlns:ct="http://schemas.microsoft.com/office/2006/metadata/contentType" xmlns:ma="http://schemas.microsoft.com/office/2006/metadata/properties/metaAttributes" ct:_="" ma:_="" ma:contentTypeName="Document" ma:contentTypeID="0x010100505EBFD4D5EEC844B66C3A0387734927" ma:contentTypeVersion="17" ma:contentTypeDescription="Create a new document." ma:contentTypeScope="" ma:versionID="3bf0aeef8c335ac6d6fa8723a466263a">
   <xsd:schema xmlns:xsd="http://www.w3.org/2001/XMLSchema" xmlns:xs="http://www.w3.org/2001/XMLSchema" xmlns:p="http://schemas.microsoft.com/office/2006/metadata/properties" xmlns:ns2="a9bfe744-25fc-4eb7-992a-9497b1e5aa87" xmlns:ns3="49a340ed-2075-4a8e-ad0c-47f56f22c9bb" targetNamespace="http://schemas.microsoft.com/office/2006/metadata/properties" ma:root="true" ma:fieldsID="623521aaf7a9647851c65008787d9afb" ns2:_="" ns3:_="">
     <xsd:import namespace="a9bfe744-25fc-4eb7-992a-9497b1e5aa87"/>
@@ -27030,6 +25786,15 @@
 </ct:contentTypeSchema>
 </file>
 
+<file path=customXml/item2.xml><?xml version="1.0" encoding="utf-8"?>
+<?mso-contentType ?>
+<FormTemplates xmlns="http://schemas.microsoft.com/sharepoint/v3/contenttype/forms">
+  <Display>DocumentLibraryForm</Display>
+  <Edit>DocumentLibraryForm</Edit>
+  <New>DocumentLibraryForm</New>
+</FormTemplates>
+</file>
+
 <file path=customXml/item3.xml><?xml version="1.0" encoding="utf-8"?>
 <p:properties xmlns:p="http://schemas.microsoft.com/office/2006/metadata/properties" xmlns:xsi="http://www.w3.org/2001/XMLSchema-instance" xmlns:pc="http://schemas.microsoft.com/office/infopath/2007/PartnerControls">
   <documentManagement>
@@ -27042,14 +25807,6 @@
 </file>
 
 <file path=customXml/itemProps1.xml><?xml version="1.0" encoding="utf-8"?>
-<ds:datastoreItem xmlns:ds="http://schemas.openxmlformats.org/officeDocument/2006/customXml" ds:itemID="{B7CDBEA0-9AC9-4D91-93D6-3374F0D1B3B6}">
-  <ds:schemaRefs>
-    <ds:schemaRef ds:uri="http://schemas.microsoft.com/sharepoint/v3/contenttype/forms"/>
-  </ds:schemaRefs>
-</ds:datastoreItem>
-</file>
-
-<file path=customXml/itemProps2.xml><?xml version="1.0" encoding="utf-8"?>
 <ds:datastoreItem xmlns:ds="http://schemas.openxmlformats.org/officeDocument/2006/customXml" ds:itemID="{F8A3CB2F-E46A-4EB5-A989-95665EA00D31}">
   <ds:schemaRefs>
     <ds:schemaRef ds:uri="http://schemas.microsoft.com/office/2006/metadata/contentType"/>
@@ -27069,6 +25826,14 @@
 </ds:datastoreItem>
 </file>
 
+<file path=customXml/itemProps2.xml><?xml version="1.0" encoding="utf-8"?>
+<ds:datastoreItem xmlns:ds="http://schemas.openxmlformats.org/officeDocument/2006/customXml" ds:itemID="{B7CDBEA0-9AC9-4D91-93D6-3374F0D1B3B6}">
+  <ds:schemaRefs>
+    <ds:schemaRef ds:uri="http://schemas.microsoft.com/sharepoint/v3/contenttype/forms"/>
+  </ds:schemaRefs>
+</ds:datastoreItem>
+</file>
+
 <file path=customXml/itemProps3.xml><?xml version="1.0" encoding="utf-8"?>
 <ds:datastoreItem xmlns:ds="http://schemas.openxmlformats.org/officeDocument/2006/customXml" ds:itemID="{5CD580A1-0337-421E-A68D-9AEC6C6DB913}">
   <ds:schemaRefs>
